--- a/HW2/Code_Template/path_draw.pptx
+++ b/HW2/Code_Template/path_draw.pptx
@@ -10,6 +10,12 @@
     <p:sldId id="259" r:id="rId4"/>
     <p:sldId id="260" r:id="rId5"/>
     <p:sldId id="261" r:id="rId6"/>
+    <p:sldId id="262" r:id="rId7"/>
+    <p:sldId id="263" r:id="rId8"/>
+    <p:sldId id="264" r:id="rId9"/>
+    <p:sldId id="265" r:id="rId10"/>
+    <p:sldId id="266" r:id="rId11"/>
+    <p:sldId id="267" r:id="rId12"/>
   </p:sldIdLst>
   <p:sldSz cx="12192000" cy="6858000"/>
   <p:notesSz cx="6858000" cy="9144000"/>
@@ -108,6 +114,11 @@
       </a:defRPr>
     </a:lvl9pPr>
   </p:defaultTextStyle>
+  <p:extLst>
+    <p:ext uri="{EFAFB233-063F-42B5-8137-9DF3F51BA10A}">
+      <p15:sldGuideLst xmlns:p15="http://schemas.microsoft.com/office/powerpoint/2012/main"/>
+    </p:ext>
+  </p:extLst>
 </p:presentation>
 </file>
 
@@ -258,7 +269,7 @@
           <a:p>
             <a:fld id="{82BF0275-4028-4BC4-8420-25E72669DD43}" type="datetimeFigureOut">
               <a:rPr lang="zh-CN" altLang="en-US" smtClean="0"/>
-              <a:t>2021/10/16</a:t>
+              <a:t>2021/10/18</a:t>
             </a:fld>
             <a:endParaRPr lang="zh-CN" altLang="en-US"/>
           </a:p>
@@ -456,7 +467,7 @@
           <a:p>
             <a:fld id="{82BF0275-4028-4BC4-8420-25E72669DD43}" type="datetimeFigureOut">
               <a:rPr lang="zh-CN" altLang="en-US" smtClean="0"/>
-              <a:t>2021/10/16</a:t>
+              <a:t>2021/10/18</a:t>
             </a:fld>
             <a:endParaRPr lang="zh-CN" altLang="en-US"/>
           </a:p>
@@ -664,7 +675,7 @@
           <a:p>
             <a:fld id="{82BF0275-4028-4BC4-8420-25E72669DD43}" type="datetimeFigureOut">
               <a:rPr lang="zh-CN" altLang="en-US" smtClean="0"/>
-              <a:t>2021/10/16</a:t>
+              <a:t>2021/10/18</a:t>
             </a:fld>
             <a:endParaRPr lang="zh-CN" altLang="en-US"/>
           </a:p>
@@ -862,7 +873,7 @@
           <a:p>
             <a:fld id="{82BF0275-4028-4BC4-8420-25E72669DD43}" type="datetimeFigureOut">
               <a:rPr lang="zh-CN" altLang="en-US" smtClean="0"/>
-              <a:t>2021/10/16</a:t>
+              <a:t>2021/10/18</a:t>
             </a:fld>
             <a:endParaRPr lang="zh-CN" altLang="en-US"/>
           </a:p>
@@ -1137,7 +1148,7 @@
           <a:p>
             <a:fld id="{82BF0275-4028-4BC4-8420-25E72669DD43}" type="datetimeFigureOut">
               <a:rPr lang="zh-CN" altLang="en-US" smtClean="0"/>
-              <a:t>2021/10/16</a:t>
+              <a:t>2021/10/18</a:t>
             </a:fld>
             <a:endParaRPr lang="zh-CN" altLang="en-US"/>
           </a:p>
@@ -1402,7 +1413,7 @@
           <a:p>
             <a:fld id="{82BF0275-4028-4BC4-8420-25E72669DD43}" type="datetimeFigureOut">
               <a:rPr lang="zh-CN" altLang="en-US" smtClean="0"/>
-              <a:t>2021/10/16</a:t>
+              <a:t>2021/10/18</a:t>
             </a:fld>
             <a:endParaRPr lang="zh-CN" altLang="en-US"/>
           </a:p>
@@ -1814,7 +1825,7 @@
           <a:p>
             <a:fld id="{82BF0275-4028-4BC4-8420-25E72669DD43}" type="datetimeFigureOut">
               <a:rPr lang="zh-CN" altLang="en-US" smtClean="0"/>
-              <a:t>2021/10/16</a:t>
+              <a:t>2021/10/18</a:t>
             </a:fld>
             <a:endParaRPr lang="zh-CN" altLang="en-US"/>
           </a:p>
@@ -1955,7 +1966,7 @@
           <a:p>
             <a:fld id="{82BF0275-4028-4BC4-8420-25E72669DD43}" type="datetimeFigureOut">
               <a:rPr lang="zh-CN" altLang="en-US" smtClean="0"/>
-              <a:t>2021/10/16</a:t>
+              <a:t>2021/10/18</a:t>
             </a:fld>
             <a:endParaRPr lang="zh-CN" altLang="en-US"/>
           </a:p>
@@ -2068,7 +2079,7 @@
           <a:p>
             <a:fld id="{82BF0275-4028-4BC4-8420-25E72669DD43}" type="datetimeFigureOut">
               <a:rPr lang="zh-CN" altLang="en-US" smtClean="0"/>
-              <a:t>2021/10/16</a:t>
+              <a:t>2021/10/18</a:t>
             </a:fld>
             <a:endParaRPr lang="zh-CN" altLang="en-US"/>
           </a:p>
@@ -2379,7 +2390,7 @@
           <a:p>
             <a:fld id="{82BF0275-4028-4BC4-8420-25E72669DD43}" type="datetimeFigureOut">
               <a:rPr lang="zh-CN" altLang="en-US" smtClean="0"/>
-              <a:t>2021/10/16</a:t>
+              <a:t>2021/10/18</a:t>
             </a:fld>
             <a:endParaRPr lang="zh-CN" altLang="en-US"/>
           </a:p>
@@ -2667,7 +2678,7 @@
           <a:p>
             <a:fld id="{82BF0275-4028-4BC4-8420-25E72669DD43}" type="datetimeFigureOut">
               <a:rPr lang="zh-CN" altLang="en-US" smtClean="0"/>
-              <a:t>2021/10/16</a:t>
+              <a:t>2021/10/18</a:t>
             </a:fld>
             <a:endParaRPr lang="zh-CN" altLang="en-US"/>
           </a:p>
@@ -2908,7 +2919,7 @@
           <a:p>
             <a:fld id="{82BF0275-4028-4BC4-8420-25E72669DD43}" type="datetimeFigureOut">
               <a:rPr lang="zh-CN" altLang="en-US" smtClean="0"/>
-              <a:t>2021/10/16</a:t>
+              <a:t>2021/10/18</a:t>
             </a:fld>
             <a:endParaRPr lang="zh-CN" altLang="en-US"/>
           </a:p>
@@ -3882,6 +3893,96 @@
     <p:extLst>
       <p:ext uri="{BB962C8B-B14F-4D97-AF65-F5344CB8AC3E}">
         <p14:creationId xmlns:p14="http://schemas.microsoft.com/office/powerpoint/2010/main" val="2113620338"/>
+      </p:ext>
+    </p:extLst>
+  </p:cSld>
+  <p:clrMapOvr>
+    <a:masterClrMapping/>
+  </p:clrMapOvr>
+</p:sld>
+</file>
+
+<file path=ppt/slides/slide10.xml><?xml version="1.0" encoding="utf-8"?>
+<p:sld xmlns:a="http://schemas.openxmlformats.org/drawingml/2006/main" xmlns:r="http://schemas.openxmlformats.org/officeDocument/2006/relationships" xmlns:p="http://schemas.openxmlformats.org/presentationml/2006/main">
+  <p:cSld>
+    <p:spTree>
+      <p:nvGrpSpPr>
+        <p:cNvPr id="1" name=""/>
+        <p:cNvGrpSpPr/>
+        <p:nvPr/>
+      </p:nvGrpSpPr>
+      <p:grpSpPr>
+        <a:xfrm>
+          <a:off x="0" y="0"/>
+          <a:ext cx="0" cy="0"/>
+          <a:chOff x="0" y="0"/>
+          <a:chExt cx="0" cy="0"/>
+        </a:xfrm>
+      </p:grpSpPr>
+      <p:pic>
+        <p:nvPicPr>
+          <p:cNvPr id="28" name="图片 27">
+            <a:extLst>
+              <a:ext uri="{FF2B5EF4-FFF2-40B4-BE49-F238E27FC236}">
+                <a16:creationId xmlns:a16="http://schemas.microsoft.com/office/drawing/2014/main" id="{71BD198C-4CE8-4CEF-8E77-512F972371C3}"/>
+              </a:ext>
+            </a:extLst>
+          </p:cNvPr>
+          <p:cNvPicPr>
+            <a:picLocks noChangeAspect="1"/>
+          </p:cNvPicPr>
+          <p:nvPr/>
+        </p:nvPicPr>
+        <p:blipFill>
+          <a:blip r:embed="rId2"/>
+          <a:stretch>
+            <a:fillRect/>
+          </a:stretch>
+        </p:blipFill>
+        <p:spPr>
+          <a:xfrm>
+            <a:off x="0" y="225552"/>
+            <a:ext cx="12192000" cy="6406896"/>
+          </a:xfrm>
+          <a:prstGeom prst="rect">
+            <a:avLst/>
+          </a:prstGeom>
+        </p:spPr>
+      </p:pic>
+    </p:spTree>
+    <p:extLst>
+      <p:ext uri="{BB962C8B-B14F-4D97-AF65-F5344CB8AC3E}">
+        <p14:creationId xmlns:p14="http://schemas.microsoft.com/office/powerpoint/2010/main" val="79187363"/>
+      </p:ext>
+    </p:extLst>
+  </p:cSld>
+  <p:clrMapOvr>
+    <a:masterClrMapping/>
+  </p:clrMapOvr>
+</p:sld>
+</file>
+
+<file path=ppt/slides/slide11.xml><?xml version="1.0" encoding="utf-8"?>
+<p:sld xmlns:a="http://schemas.openxmlformats.org/drawingml/2006/main" xmlns:r="http://schemas.openxmlformats.org/officeDocument/2006/relationships" xmlns:p="http://schemas.openxmlformats.org/presentationml/2006/main">
+  <p:cSld>
+    <p:spTree>
+      <p:nvGrpSpPr>
+        <p:cNvPr id="1" name=""/>
+        <p:cNvGrpSpPr/>
+        <p:nvPr/>
+      </p:nvGrpSpPr>
+      <p:grpSpPr>
+        <a:xfrm>
+          <a:off x="0" y="0"/>
+          <a:ext cx="0" cy="0"/>
+          <a:chOff x="0" y="0"/>
+          <a:chExt cx="0" cy="0"/>
+        </a:xfrm>
+      </p:grpSpPr>
+    </p:spTree>
+    <p:extLst>
+      <p:ext uri="{BB962C8B-B14F-4D97-AF65-F5344CB8AC3E}">
+        <p14:creationId xmlns:p14="http://schemas.microsoft.com/office/powerpoint/2010/main" val="2036218959"/>
       </p:ext>
     </p:extLst>
   </p:cSld>
@@ -4740,6 +4841,1851 @@
 </p:sld>
 </file>
 
+<file path=ppt/slides/slide6.xml><?xml version="1.0" encoding="utf-8"?>
+<p:sld xmlns:a="http://schemas.openxmlformats.org/drawingml/2006/main" xmlns:r="http://schemas.openxmlformats.org/officeDocument/2006/relationships" xmlns:p="http://schemas.openxmlformats.org/presentationml/2006/main">
+  <p:cSld>
+    <p:spTree>
+      <p:nvGrpSpPr>
+        <p:cNvPr id="1" name=""/>
+        <p:cNvGrpSpPr/>
+        <p:nvPr/>
+      </p:nvGrpSpPr>
+      <p:grpSpPr>
+        <a:xfrm>
+          <a:off x="0" y="0"/>
+          <a:ext cx="0" cy="0"/>
+          <a:chOff x="0" y="0"/>
+          <a:chExt cx="0" cy="0"/>
+        </a:xfrm>
+      </p:grpSpPr>
+      <p:pic>
+        <p:nvPicPr>
+          <p:cNvPr id="5" name="图片 4">
+            <a:extLst>
+              <a:ext uri="{FF2B5EF4-FFF2-40B4-BE49-F238E27FC236}">
+                <a16:creationId xmlns:a16="http://schemas.microsoft.com/office/drawing/2014/main" id="{146506DE-FD12-4986-A0A5-E04CED6CEF34}"/>
+              </a:ext>
+            </a:extLst>
+          </p:cNvPr>
+          <p:cNvPicPr>
+            <a:picLocks noChangeAspect="1"/>
+          </p:cNvPicPr>
+          <p:nvPr/>
+        </p:nvPicPr>
+        <p:blipFill>
+          <a:blip r:embed="rId2"/>
+          <a:stretch>
+            <a:fillRect/>
+          </a:stretch>
+        </p:blipFill>
+        <p:spPr>
+          <a:xfrm>
+            <a:off x="0" y="149225"/>
+            <a:ext cx="12192000" cy="6559550"/>
+          </a:xfrm>
+          <a:prstGeom prst="rect">
+            <a:avLst/>
+          </a:prstGeom>
+        </p:spPr>
+      </p:pic>
+    </p:spTree>
+    <p:extLst>
+      <p:ext uri="{BB962C8B-B14F-4D97-AF65-F5344CB8AC3E}">
+        <p14:creationId xmlns:p14="http://schemas.microsoft.com/office/powerpoint/2010/main" val="3582913010"/>
+      </p:ext>
+    </p:extLst>
+  </p:cSld>
+  <p:clrMapOvr>
+    <a:masterClrMapping/>
+  </p:clrMapOvr>
+</p:sld>
+</file>
+
+<file path=ppt/slides/slide7.xml><?xml version="1.0" encoding="utf-8"?>
+<p:sld xmlns:a="http://schemas.openxmlformats.org/drawingml/2006/main" xmlns:r="http://schemas.openxmlformats.org/officeDocument/2006/relationships" xmlns:p="http://schemas.openxmlformats.org/presentationml/2006/main">
+  <p:cSld>
+    <p:spTree>
+      <p:nvGrpSpPr>
+        <p:cNvPr id="1" name=""/>
+        <p:cNvGrpSpPr/>
+        <p:nvPr/>
+      </p:nvGrpSpPr>
+      <p:grpSpPr>
+        <a:xfrm>
+          <a:off x="0" y="0"/>
+          <a:ext cx="0" cy="0"/>
+          <a:chOff x="0" y="0"/>
+          <a:chExt cx="0" cy="0"/>
+        </a:xfrm>
+      </p:grpSpPr>
+      <p:pic>
+        <p:nvPicPr>
+          <p:cNvPr id="3" name="图片 2">
+            <a:extLst>
+              <a:ext uri="{FF2B5EF4-FFF2-40B4-BE49-F238E27FC236}">
+                <a16:creationId xmlns:a16="http://schemas.microsoft.com/office/drawing/2014/main" id="{8497D052-A744-4F61-A517-0F423D63A80E}"/>
+              </a:ext>
+            </a:extLst>
+          </p:cNvPr>
+          <p:cNvPicPr>
+            <a:picLocks noChangeAspect="1"/>
+          </p:cNvPicPr>
+          <p:nvPr/>
+        </p:nvPicPr>
+        <p:blipFill>
+          <a:blip r:embed="rId2"/>
+          <a:stretch>
+            <a:fillRect/>
+          </a:stretch>
+        </p:blipFill>
+        <p:spPr>
+          <a:xfrm>
+            <a:off x="0" y="225425"/>
+            <a:ext cx="12192000" cy="6407150"/>
+          </a:xfrm>
+          <a:prstGeom prst="rect">
+            <a:avLst/>
+          </a:prstGeom>
+        </p:spPr>
+      </p:pic>
+    </p:spTree>
+    <p:extLst>
+      <p:ext uri="{BB962C8B-B14F-4D97-AF65-F5344CB8AC3E}">
+        <p14:creationId xmlns:p14="http://schemas.microsoft.com/office/powerpoint/2010/main" val="3873771555"/>
+      </p:ext>
+    </p:extLst>
+  </p:cSld>
+  <p:clrMapOvr>
+    <a:masterClrMapping/>
+  </p:clrMapOvr>
+</p:sld>
+</file>
+
+<file path=ppt/slides/slide8.xml><?xml version="1.0" encoding="utf-8"?>
+<p:sld xmlns:a="http://schemas.openxmlformats.org/drawingml/2006/main" xmlns:r="http://schemas.openxmlformats.org/officeDocument/2006/relationships" xmlns:p="http://schemas.openxmlformats.org/presentationml/2006/main">
+  <p:cSld>
+    <p:spTree>
+      <p:nvGrpSpPr>
+        <p:cNvPr id="1" name=""/>
+        <p:cNvGrpSpPr/>
+        <p:nvPr/>
+      </p:nvGrpSpPr>
+      <p:grpSpPr>
+        <a:xfrm>
+          <a:off x="0" y="0"/>
+          <a:ext cx="0" cy="0"/>
+          <a:chOff x="0" y="0"/>
+          <a:chExt cx="0" cy="0"/>
+        </a:xfrm>
+      </p:grpSpPr>
+      <p:grpSp>
+        <p:nvGrpSpPr>
+          <p:cNvPr id="12" name="组合 11">
+            <a:extLst>
+              <a:ext uri="{FF2B5EF4-FFF2-40B4-BE49-F238E27FC236}">
+                <a16:creationId xmlns:a16="http://schemas.microsoft.com/office/drawing/2014/main" id="{E26A3CB8-D352-4F8F-AAB1-42B401D36946}"/>
+              </a:ext>
+            </a:extLst>
+          </p:cNvPr>
+          <p:cNvGrpSpPr/>
+          <p:nvPr/>
+        </p:nvGrpSpPr>
+        <p:grpSpPr>
+          <a:xfrm>
+            <a:off x="1009650" y="866774"/>
+            <a:ext cx="1714500" cy="914401"/>
+            <a:chOff x="1009650" y="866774"/>
+            <a:chExt cx="1714500" cy="914401"/>
+          </a:xfrm>
+        </p:grpSpPr>
+        <p:pic>
+          <p:nvPicPr>
+            <p:cNvPr id="3" name="图片 2">
+              <a:extLst>
+                <a:ext uri="{FF2B5EF4-FFF2-40B4-BE49-F238E27FC236}">
+                  <a16:creationId xmlns:a16="http://schemas.microsoft.com/office/drawing/2014/main" id="{4CBA659B-8296-4231-B59F-198C9110154C}"/>
+                </a:ext>
+              </a:extLst>
+            </p:cNvPr>
+            <p:cNvPicPr>
+              <a:picLocks noChangeAspect="1"/>
+            </p:cNvPicPr>
+            <p:nvPr/>
+          </p:nvPicPr>
+          <p:blipFill rotWithShape="1">
+            <a:blip r:embed="rId2"/>
+            <a:srcRect l="43047" t="71407" r="42890" b="14321"/>
+            <a:stretch/>
+          </p:blipFill>
+          <p:spPr>
+            <a:xfrm>
+              <a:off x="1009650" y="866774"/>
+              <a:ext cx="1714500" cy="914401"/>
+            </a:xfrm>
+            <a:prstGeom prst="rect">
+              <a:avLst/>
+            </a:prstGeom>
+          </p:spPr>
+        </p:pic>
+        <p:sp>
+          <p:nvSpPr>
+            <p:cNvPr id="11" name="文本框 10">
+              <a:extLst>
+                <a:ext uri="{FF2B5EF4-FFF2-40B4-BE49-F238E27FC236}">
+                  <a16:creationId xmlns:a16="http://schemas.microsoft.com/office/drawing/2014/main" id="{A114434C-73E0-4A9C-98DB-2279E4C2827E}"/>
+                </a:ext>
+              </a:extLst>
+            </p:cNvPr>
+            <p:cNvSpPr txBox="1"/>
+            <p:nvPr/>
+          </p:nvSpPr>
+          <p:spPr>
+            <a:xfrm>
+              <a:off x="1682169" y="1228725"/>
+              <a:ext cx="356188" cy="461665"/>
+            </a:xfrm>
+            <a:prstGeom prst="rect">
+              <a:avLst/>
+            </a:prstGeom>
+            <a:noFill/>
+          </p:spPr>
+          <p:txBody>
+            <a:bodyPr wrap="none" rtlCol="0">
+              <a:spAutoFit/>
+            </a:bodyPr>
+            <a:lstStyle/>
+            <a:p>
+              <a:r>
+                <a:rPr lang="en-US" altLang="zh-CN" sz="2400" b="1" dirty="0">
+                  <a:solidFill>
+                    <a:srgbClr val="FFFF00"/>
+                  </a:solidFill>
+                </a:rPr>
+                <a:t>1</a:t>
+              </a:r>
+              <a:endParaRPr lang="zh-CN" altLang="en-US" sz="2400" b="1" dirty="0">
+                <a:solidFill>
+                  <a:srgbClr val="FFFF00"/>
+                </a:solidFill>
+              </a:endParaRPr>
+            </a:p>
+          </p:txBody>
+        </p:sp>
+      </p:grpSp>
+      <p:grpSp>
+        <p:nvGrpSpPr>
+          <p:cNvPr id="13" name="组合 12">
+            <a:extLst>
+              <a:ext uri="{FF2B5EF4-FFF2-40B4-BE49-F238E27FC236}">
+                <a16:creationId xmlns:a16="http://schemas.microsoft.com/office/drawing/2014/main" id="{E2A04D63-94E1-4C91-83A4-E445C6838F46}"/>
+              </a:ext>
+            </a:extLst>
+          </p:cNvPr>
+          <p:cNvGrpSpPr/>
+          <p:nvPr/>
+        </p:nvGrpSpPr>
+        <p:grpSpPr>
+          <a:xfrm>
+            <a:off x="1162050" y="1019174"/>
+            <a:ext cx="1714500" cy="914401"/>
+            <a:chOff x="1009650" y="866774"/>
+            <a:chExt cx="1714500" cy="914401"/>
+          </a:xfrm>
+        </p:grpSpPr>
+        <p:pic>
+          <p:nvPicPr>
+            <p:cNvPr id="14" name="图片 13">
+              <a:extLst>
+                <a:ext uri="{FF2B5EF4-FFF2-40B4-BE49-F238E27FC236}">
+                  <a16:creationId xmlns:a16="http://schemas.microsoft.com/office/drawing/2014/main" id="{80A32F87-27F4-4B64-9F1E-1CEEC6D82084}"/>
+                </a:ext>
+              </a:extLst>
+            </p:cNvPr>
+            <p:cNvPicPr>
+              <a:picLocks noChangeAspect="1"/>
+            </p:cNvPicPr>
+            <p:nvPr/>
+          </p:nvPicPr>
+          <p:blipFill rotWithShape="1">
+            <a:blip r:embed="rId2"/>
+            <a:srcRect l="43047" t="71407" r="42890" b="14321"/>
+            <a:stretch/>
+          </p:blipFill>
+          <p:spPr>
+            <a:xfrm>
+              <a:off x="1009650" y="866774"/>
+              <a:ext cx="1714500" cy="914401"/>
+            </a:xfrm>
+            <a:prstGeom prst="rect">
+              <a:avLst/>
+            </a:prstGeom>
+          </p:spPr>
+        </p:pic>
+        <p:sp>
+          <p:nvSpPr>
+            <p:cNvPr id="15" name="文本框 14">
+              <a:extLst>
+                <a:ext uri="{FF2B5EF4-FFF2-40B4-BE49-F238E27FC236}">
+                  <a16:creationId xmlns:a16="http://schemas.microsoft.com/office/drawing/2014/main" id="{836B78AB-091F-4A9D-AA1F-EB86ACDC6827}"/>
+                </a:ext>
+              </a:extLst>
+            </p:cNvPr>
+            <p:cNvSpPr txBox="1"/>
+            <p:nvPr/>
+          </p:nvSpPr>
+          <p:spPr>
+            <a:xfrm>
+              <a:off x="1682169" y="1228725"/>
+              <a:ext cx="356188" cy="461665"/>
+            </a:xfrm>
+            <a:prstGeom prst="rect">
+              <a:avLst/>
+            </a:prstGeom>
+            <a:noFill/>
+          </p:spPr>
+          <p:txBody>
+            <a:bodyPr wrap="none" rtlCol="0">
+              <a:spAutoFit/>
+            </a:bodyPr>
+            <a:lstStyle/>
+            <a:p>
+              <a:r>
+                <a:rPr lang="en-US" altLang="zh-CN" sz="2400" b="1" dirty="0">
+                  <a:solidFill>
+                    <a:srgbClr val="FFFF00"/>
+                  </a:solidFill>
+                </a:rPr>
+                <a:t>1</a:t>
+              </a:r>
+              <a:endParaRPr lang="zh-CN" altLang="en-US" sz="2400" b="1" dirty="0">
+                <a:solidFill>
+                  <a:srgbClr val="FFFF00"/>
+                </a:solidFill>
+              </a:endParaRPr>
+            </a:p>
+          </p:txBody>
+        </p:sp>
+      </p:grpSp>
+      <p:grpSp>
+        <p:nvGrpSpPr>
+          <p:cNvPr id="16" name="组合 15">
+            <a:extLst>
+              <a:ext uri="{FF2B5EF4-FFF2-40B4-BE49-F238E27FC236}">
+                <a16:creationId xmlns:a16="http://schemas.microsoft.com/office/drawing/2014/main" id="{98D92874-4105-45FB-9EA3-BC60AF87AA63}"/>
+              </a:ext>
+            </a:extLst>
+          </p:cNvPr>
+          <p:cNvGrpSpPr/>
+          <p:nvPr/>
+        </p:nvGrpSpPr>
+        <p:grpSpPr>
+          <a:xfrm>
+            <a:off x="1314450" y="1171574"/>
+            <a:ext cx="1714500" cy="914401"/>
+            <a:chOff x="1009650" y="866774"/>
+            <a:chExt cx="1714500" cy="914401"/>
+          </a:xfrm>
+        </p:grpSpPr>
+        <p:pic>
+          <p:nvPicPr>
+            <p:cNvPr id="17" name="图片 16">
+              <a:extLst>
+                <a:ext uri="{FF2B5EF4-FFF2-40B4-BE49-F238E27FC236}">
+                  <a16:creationId xmlns:a16="http://schemas.microsoft.com/office/drawing/2014/main" id="{B9239ED7-1967-4749-AEF9-847F9DF0C467}"/>
+                </a:ext>
+              </a:extLst>
+            </p:cNvPr>
+            <p:cNvPicPr>
+              <a:picLocks noChangeAspect="1"/>
+            </p:cNvPicPr>
+            <p:nvPr/>
+          </p:nvPicPr>
+          <p:blipFill rotWithShape="1">
+            <a:blip r:embed="rId2"/>
+            <a:srcRect l="43047" t="71407" r="42890" b="14321"/>
+            <a:stretch/>
+          </p:blipFill>
+          <p:spPr>
+            <a:xfrm>
+              <a:off x="1009650" y="866774"/>
+              <a:ext cx="1714500" cy="914401"/>
+            </a:xfrm>
+            <a:prstGeom prst="rect">
+              <a:avLst/>
+            </a:prstGeom>
+          </p:spPr>
+        </p:pic>
+        <p:sp>
+          <p:nvSpPr>
+            <p:cNvPr id="18" name="文本框 17">
+              <a:extLst>
+                <a:ext uri="{FF2B5EF4-FFF2-40B4-BE49-F238E27FC236}">
+                  <a16:creationId xmlns:a16="http://schemas.microsoft.com/office/drawing/2014/main" id="{101CB2CE-D47C-42F0-9787-D57DFF709A7C}"/>
+                </a:ext>
+              </a:extLst>
+            </p:cNvPr>
+            <p:cNvSpPr txBox="1"/>
+            <p:nvPr/>
+          </p:nvSpPr>
+          <p:spPr>
+            <a:xfrm>
+              <a:off x="1682169" y="1228725"/>
+              <a:ext cx="356188" cy="461665"/>
+            </a:xfrm>
+            <a:prstGeom prst="rect">
+              <a:avLst/>
+            </a:prstGeom>
+            <a:noFill/>
+          </p:spPr>
+          <p:txBody>
+            <a:bodyPr wrap="none" rtlCol="0">
+              <a:spAutoFit/>
+            </a:bodyPr>
+            <a:lstStyle/>
+            <a:p>
+              <a:r>
+                <a:rPr lang="en-US" altLang="zh-CN" sz="2400" b="1" dirty="0">
+                  <a:solidFill>
+                    <a:srgbClr val="FFFF00"/>
+                  </a:solidFill>
+                </a:rPr>
+                <a:t>1</a:t>
+              </a:r>
+              <a:endParaRPr lang="zh-CN" altLang="en-US" sz="2400" b="1" dirty="0">
+                <a:solidFill>
+                  <a:srgbClr val="FFFF00"/>
+                </a:solidFill>
+              </a:endParaRPr>
+            </a:p>
+          </p:txBody>
+        </p:sp>
+      </p:grpSp>
+      <p:grpSp>
+        <p:nvGrpSpPr>
+          <p:cNvPr id="19" name="组合 18">
+            <a:extLst>
+              <a:ext uri="{FF2B5EF4-FFF2-40B4-BE49-F238E27FC236}">
+                <a16:creationId xmlns:a16="http://schemas.microsoft.com/office/drawing/2014/main" id="{AD38B4F9-6321-4873-B42C-EA183CB37D1A}"/>
+              </a:ext>
+            </a:extLst>
+          </p:cNvPr>
+          <p:cNvGrpSpPr/>
+          <p:nvPr/>
+        </p:nvGrpSpPr>
+        <p:grpSpPr>
+          <a:xfrm>
+            <a:off x="1466850" y="1323974"/>
+            <a:ext cx="1714500" cy="914401"/>
+            <a:chOff x="1009650" y="866774"/>
+            <a:chExt cx="1714500" cy="914401"/>
+          </a:xfrm>
+        </p:grpSpPr>
+        <p:pic>
+          <p:nvPicPr>
+            <p:cNvPr id="20" name="图片 19">
+              <a:extLst>
+                <a:ext uri="{FF2B5EF4-FFF2-40B4-BE49-F238E27FC236}">
+                  <a16:creationId xmlns:a16="http://schemas.microsoft.com/office/drawing/2014/main" id="{762D630B-0BDA-4DC9-B14A-BD0359E3ED48}"/>
+                </a:ext>
+              </a:extLst>
+            </p:cNvPr>
+            <p:cNvPicPr>
+              <a:picLocks noChangeAspect="1"/>
+            </p:cNvPicPr>
+            <p:nvPr/>
+          </p:nvPicPr>
+          <p:blipFill rotWithShape="1">
+            <a:blip r:embed="rId2"/>
+            <a:srcRect l="43047" t="71407" r="42890" b="14321"/>
+            <a:stretch/>
+          </p:blipFill>
+          <p:spPr>
+            <a:xfrm>
+              <a:off x="1009650" y="866774"/>
+              <a:ext cx="1714500" cy="914401"/>
+            </a:xfrm>
+            <a:prstGeom prst="rect">
+              <a:avLst/>
+            </a:prstGeom>
+          </p:spPr>
+        </p:pic>
+        <p:sp>
+          <p:nvSpPr>
+            <p:cNvPr id="21" name="文本框 20">
+              <a:extLst>
+                <a:ext uri="{FF2B5EF4-FFF2-40B4-BE49-F238E27FC236}">
+                  <a16:creationId xmlns:a16="http://schemas.microsoft.com/office/drawing/2014/main" id="{3368FC34-46C4-4C4F-9EA8-C8FDF55D69EC}"/>
+                </a:ext>
+              </a:extLst>
+            </p:cNvPr>
+            <p:cNvSpPr txBox="1"/>
+            <p:nvPr/>
+          </p:nvSpPr>
+          <p:spPr>
+            <a:xfrm>
+              <a:off x="1682169" y="1228725"/>
+              <a:ext cx="356188" cy="461665"/>
+            </a:xfrm>
+            <a:prstGeom prst="rect">
+              <a:avLst/>
+            </a:prstGeom>
+            <a:noFill/>
+          </p:spPr>
+          <p:txBody>
+            <a:bodyPr wrap="none" rtlCol="0">
+              <a:spAutoFit/>
+            </a:bodyPr>
+            <a:lstStyle/>
+            <a:p>
+              <a:r>
+                <a:rPr lang="en-US" altLang="zh-CN" sz="2400" b="1" dirty="0">
+                  <a:solidFill>
+                    <a:srgbClr val="FFFF00"/>
+                  </a:solidFill>
+                </a:rPr>
+                <a:t>1</a:t>
+              </a:r>
+              <a:endParaRPr lang="zh-CN" altLang="en-US" sz="2400" b="1" dirty="0">
+                <a:solidFill>
+                  <a:srgbClr val="FFFF00"/>
+                </a:solidFill>
+              </a:endParaRPr>
+            </a:p>
+          </p:txBody>
+        </p:sp>
+      </p:grpSp>
+      <p:grpSp>
+        <p:nvGrpSpPr>
+          <p:cNvPr id="22" name="组合 21">
+            <a:extLst>
+              <a:ext uri="{FF2B5EF4-FFF2-40B4-BE49-F238E27FC236}">
+                <a16:creationId xmlns:a16="http://schemas.microsoft.com/office/drawing/2014/main" id="{B36BDC47-6F72-426F-97F7-F4C4B6FA7CF8}"/>
+              </a:ext>
+            </a:extLst>
+          </p:cNvPr>
+          <p:cNvGrpSpPr/>
+          <p:nvPr/>
+        </p:nvGrpSpPr>
+        <p:grpSpPr>
+          <a:xfrm>
+            <a:off x="1619250" y="1476374"/>
+            <a:ext cx="1714500" cy="914401"/>
+            <a:chOff x="1009650" y="866774"/>
+            <a:chExt cx="1714500" cy="914401"/>
+          </a:xfrm>
+        </p:grpSpPr>
+        <p:pic>
+          <p:nvPicPr>
+            <p:cNvPr id="23" name="图片 22">
+              <a:extLst>
+                <a:ext uri="{FF2B5EF4-FFF2-40B4-BE49-F238E27FC236}">
+                  <a16:creationId xmlns:a16="http://schemas.microsoft.com/office/drawing/2014/main" id="{49CC6A46-B7D3-4132-9FC7-606A32825CD9}"/>
+                </a:ext>
+              </a:extLst>
+            </p:cNvPr>
+            <p:cNvPicPr>
+              <a:picLocks noChangeAspect="1"/>
+            </p:cNvPicPr>
+            <p:nvPr/>
+          </p:nvPicPr>
+          <p:blipFill rotWithShape="1">
+            <a:blip r:embed="rId2"/>
+            <a:srcRect l="43047" t="71407" r="42890" b="14321"/>
+            <a:stretch/>
+          </p:blipFill>
+          <p:spPr>
+            <a:xfrm>
+              <a:off x="1009650" y="866774"/>
+              <a:ext cx="1714500" cy="914401"/>
+            </a:xfrm>
+            <a:prstGeom prst="rect">
+              <a:avLst/>
+            </a:prstGeom>
+          </p:spPr>
+        </p:pic>
+        <p:sp>
+          <p:nvSpPr>
+            <p:cNvPr id="24" name="文本框 23">
+              <a:extLst>
+                <a:ext uri="{FF2B5EF4-FFF2-40B4-BE49-F238E27FC236}">
+                  <a16:creationId xmlns:a16="http://schemas.microsoft.com/office/drawing/2014/main" id="{288A2F82-AB83-4C25-BB91-7F2666934BA9}"/>
+                </a:ext>
+              </a:extLst>
+            </p:cNvPr>
+            <p:cNvSpPr txBox="1"/>
+            <p:nvPr/>
+          </p:nvSpPr>
+          <p:spPr>
+            <a:xfrm>
+              <a:off x="1682169" y="1228725"/>
+              <a:ext cx="356188" cy="461665"/>
+            </a:xfrm>
+            <a:prstGeom prst="rect">
+              <a:avLst/>
+            </a:prstGeom>
+            <a:noFill/>
+          </p:spPr>
+          <p:txBody>
+            <a:bodyPr wrap="none" rtlCol="0">
+              <a:spAutoFit/>
+            </a:bodyPr>
+            <a:lstStyle/>
+            <a:p>
+              <a:r>
+                <a:rPr lang="en-US" altLang="zh-CN" sz="2400" b="1" dirty="0">
+                  <a:solidFill>
+                    <a:srgbClr val="FFFF00"/>
+                  </a:solidFill>
+                </a:rPr>
+                <a:t>1</a:t>
+              </a:r>
+              <a:endParaRPr lang="zh-CN" altLang="en-US" sz="2400" b="1" dirty="0">
+                <a:solidFill>
+                  <a:srgbClr val="FFFF00"/>
+                </a:solidFill>
+              </a:endParaRPr>
+            </a:p>
+          </p:txBody>
+        </p:sp>
+      </p:grpSp>
+      <p:grpSp>
+        <p:nvGrpSpPr>
+          <p:cNvPr id="25" name="组合 24">
+            <a:extLst>
+              <a:ext uri="{FF2B5EF4-FFF2-40B4-BE49-F238E27FC236}">
+                <a16:creationId xmlns:a16="http://schemas.microsoft.com/office/drawing/2014/main" id="{7B24282F-B397-4B1C-81CF-9D1DEBDC8DBA}"/>
+              </a:ext>
+            </a:extLst>
+          </p:cNvPr>
+          <p:cNvGrpSpPr/>
+          <p:nvPr/>
+        </p:nvGrpSpPr>
+        <p:grpSpPr>
+          <a:xfrm>
+            <a:off x="1771650" y="1628774"/>
+            <a:ext cx="1714500" cy="914401"/>
+            <a:chOff x="1009650" y="866774"/>
+            <a:chExt cx="1714500" cy="914401"/>
+          </a:xfrm>
+        </p:grpSpPr>
+        <p:pic>
+          <p:nvPicPr>
+            <p:cNvPr id="26" name="图片 25">
+              <a:extLst>
+                <a:ext uri="{FF2B5EF4-FFF2-40B4-BE49-F238E27FC236}">
+                  <a16:creationId xmlns:a16="http://schemas.microsoft.com/office/drawing/2014/main" id="{41847B14-DFBC-45F5-9FD6-3C51EEB84F5C}"/>
+                </a:ext>
+              </a:extLst>
+            </p:cNvPr>
+            <p:cNvPicPr>
+              <a:picLocks noChangeAspect="1"/>
+            </p:cNvPicPr>
+            <p:nvPr/>
+          </p:nvPicPr>
+          <p:blipFill rotWithShape="1">
+            <a:blip r:embed="rId2"/>
+            <a:srcRect l="43047" t="71407" r="42890" b="14321"/>
+            <a:stretch/>
+          </p:blipFill>
+          <p:spPr>
+            <a:xfrm>
+              <a:off x="1009650" y="866774"/>
+              <a:ext cx="1714500" cy="914401"/>
+            </a:xfrm>
+            <a:prstGeom prst="rect">
+              <a:avLst/>
+            </a:prstGeom>
+          </p:spPr>
+        </p:pic>
+        <p:sp>
+          <p:nvSpPr>
+            <p:cNvPr id="27" name="文本框 26">
+              <a:extLst>
+                <a:ext uri="{FF2B5EF4-FFF2-40B4-BE49-F238E27FC236}">
+                  <a16:creationId xmlns:a16="http://schemas.microsoft.com/office/drawing/2014/main" id="{DEFDE5D1-89F2-4355-BE51-9A05D0A87877}"/>
+                </a:ext>
+              </a:extLst>
+            </p:cNvPr>
+            <p:cNvSpPr txBox="1"/>
+            <p:nvPr/>
+          </p:nvSpPr>
+          <p:spPr>
+            <a:xfrm>
+              <a:off x="1682169" y="1228725"/>
+              <a:ext cx="356188" cy="461665"/>
+            </a:xfrm>
+            <a:prstGeom prst="rect">
+              <a:avLst/>
+            </a:prstGeom>
+            <a:noFill/>
+          </p:spPr>
+          <p:txBody>
+            <a:bodyPr wrap="none" rtlCol="0">
+              <a:spAutoFit/>
+            </a:bodyPr>
+            <a:lstStyle/>
+            <a:p>
+              <a:r>
+                <a:rPr lang="en-US" altLang="zh-CN" sz="2400" b="1" dirty="0">
+                  <a:solidFill>
+                    <a:srgbClr val="FFFF00"/>
+                  </a:solidFill>
+                </a:rPr>
+                <a:t>1</a:t>
+              </a:r>
+              <a:endParaRPr lang="zh-CN" altLang="en-US" sz="2400" b="1" dirty="0">
+                <a:solidFill>
+                  <a:srgbClr val="FFFF00"/>
+                </a:solidFill>
+              </a:endParaRPr>
+            </a:p>
+          </p:txBody>
+        </p:sp>
+      </p:grpSp>
+      <p:grpSp>
+        <p:nvGrpSpPr>
+          <p:cNvPr id="28" name="组合 27">
+            <a:extLst>
+              <a:ext uri="{FF2B5EF4-FFF2-40B4-BE49-F238E27FC236}">
+                <a16:creationId xmlns:a16="http://schemas.microsoft.com/office/drawing/2014/main" id="{6FD651FF-6880-4F75-B308-4952255256D7}"/>
+              </a:ext>
+            </a:extLst>
+          </p:cNvPr>
+          <p:cNvGrpSpPr/>
+          <p:nvPr/>
+        </p:nvGrpSpPr>
+        <p:grpSpPr>
+          <a:xfrm>
+            <a:off x="1924050" y="1781174"/>
+            <a:ext cx="1714500" cy="914401"/>
+            <a:chOff x="1009650" y="866774"/>
+            <a:chExt cx="1714500" cy="914401"/>
+          </a:xfrm>
+        </p:grpSpPr>
+        <p:pic>
+          <p:nvPicPr>
+            <p:cNvPr id="29" name="图片 28">
+              <a:extLst>
+                <a:ext uri="{FF2B5EF4-FFF2-40B4-BE49-F238E27FC236}">
+                  <a16:creationId xmlns:a16="http://schemas.microsoft.com/office/drawing/2014/main" id="{E36E66F5-6578-417C-8DCE-14BBE45EA58A}"/>
+                </a:ext>
+              </a:extLst>
+            </p:cNvPr>
+            <p:cNvPicPr>
+              <a:picLocks noChangeAspect="1"/>
+            </p:cNvPicPr>
+            <p:nvPr/>
+          </p:nvPicPr>
+          <p:blipFill rotWithShape="1">
+            <a:blip r:embed="rId2"/>
+            <a:srcRect l="43047" t="71407" r="42890" b="14321"/>
+            <a:stretch/>
+          </p:blipFill>
+          <p:spPr>
+            <a:xfrm>
+              <a:off x="1009650" y="866774"/>
+              <a:ext cx="1714500" cy="914401"/>
+            </a:xfrm>
+            <a:prstGeom prst="rect">
+              <a:avLst/>
+            </a:prstGeom>
+          </p:spPr>
+        </p:pic>
+        <p:sp>
+          <p:nvSpPr>
+            <p:cNvPr id="30" name="文本框 29">
+              <a:extLst>
+                <a:ext uri="{FF2B5EF4-FFF2-40B4-BE49-F238E27FC236}">
+                  <a16:creationId xmlns:a16="http://schemas.microsoft.com/office/drawing/2014/main" id="{FE1F294D-4C6F-4556-BAFD-162A122B2D32}"/>
+                </a:ext>
+              </a:extLst>
+            </p:cNvPr>
+            <p:cNvSpPr txBox="1"/>
+            <p:nvPr/>
+          </p:nvSpPr>
+          <p:spPr>
+            <a:xfrm>
+              <a:off x="1682169" y="1228725"/>
+              <a:ext cx="356188" cy="461665"/>
+            </a:xfrm>
+            <a:prstGeom prst="rect">
+              <a:avLst/>
+            </a:prstGeom>
+            <a:noFill/>
+          </p:spPr>
+          <p:txBody>
+            <a:bodyPr wrap="none" rtlCol="0">
+              <a:spAutoFit/>
+            </a:bodyPr>
+            <a:lstStyle/>
+            <a:p>
+              <a:r>
+                <a:rPr lang="en-US" altLang="zh-CN" sz="2400" b="1" dirty="0">
+                  <a:solidFill>
+                    <a:srgbClr val="FFFF00"/>
+                  </a:solidFill>
+                </a:rPr>
+                <a:t>1</a:t>
+              </a:r>
+              <a:endParaRPr lang="zh-CN" altLang="en-US" sz="2400" b="1" dirty="0">
+                <a:solidFill>
+                  <a:srgbClr val="FFFF00"/>
+                </a:solidFill>
+              </a:endParaRPr>
+            </a:p>
+          </p:txBody>
+        </p:sp>
+      </p:grpSp>
+      <p:grpSp>
+        <p:nvGrpSpPr>
+          <p:cNvPr id="31" name="组合 30">
+            <a:extLst>
+              <a:ext uri="{FF2B5EF4-FFF2-40B4-BE49-F238E27FC236}">
+                <a16:creationId xmlns:a16="http://schemas.microsoft.com/office/drawing/2014/main" id="{FC762CA9-FAEB-4335-9405-387E0DF7C680}"/>
+              </a:ext>
+            </a:extLst>
+          </p:cNvPr>
+          <p:cNvGrpSpPr/>
+          <p:nvPr/>
+        </p:nvGrpSpPr>
+        <p:grpSpPr>
+          <a:xfrm>
+            <a:off x="2076450" y="1933574"/>
+            <a:ext cx="1714500" cy="914401"/>
+            <a:chOff x="1009650" y="866774"/>
+            <a:chExt cx="1714500" cy="914401"/>
+          </a:xfrm>
+        </p:grpSpPr>
+        <p:pic>
+          <p:nvPicPr>
+            <p:cNvPr id="32" name="图片 31">
+              <a:extLst>
+                <a:ext uri="{FF2B5EF4-FFF2-40B4-BE49-F238E27FC236}">
+                  <a16:creationId xmlns:a16="http://schemas.microsoft.com/office/drawing/2014/main" id="{2D5F276E-CEF4-4983-A550-DA907A55C6F8}"/>
+                </a:ext>
+              </a:extLst>
+            </p:cNvPr>
+            <p:cNvPicPr>
+              <a:picLocks noChangeAspect="1"/>
+            </p:cNvPicPr>
+            <p:nvPr/>
+          </p:nvPicPr>
+          <p:blipFill rotWithShape="1">
+            <a:blip r:embed="rId2"/>
+            <a:srcRect l="43047" t="71407" r="42890" b="14321"/>
+            <a:stretch/>
+          </p:blipFill>
+          <p:spPr>
+            <a:xfrm>
+              <a:off x="1009650" y="866774"/>
+              <a:ext cx="1714500" cy="914401"/>
+            </a:xfrm>
+            <a:prstGeom prst="rect">
+              <a:avLst/>
+            </a:prstGeom>
+          </p:spPr>
+        </p:pic>
+        <p:sp>
+          <p:nvSpPr>
+            <p:cNvPr id="33" name="文本框 32">
+              <a:extLst>
+                <a:ext uri="{FF2B5EF4-FFF2-40B4-BE49-F238E27FC236}">
+                  <a16:creationId xmlns:a16="http://schemas.microsoft.com/office/drawing/2014/main" id="{10CC9EB6-7898-4989-BBEC-54732C6E6674}"/>
+                </a:ext>
+              </a:extLst>
+            </p:cNvPr>
+            <p:cNvSpPr txBox="1"/>
+            <p:nvPr/>
+          </p:nvSpPr>
+          <p:spPr>
+            <a:xfrm>
+              <a:off x="1682169" y="1228725"/>
+              <a:ext cx="356188" cy="461665"/>
+            </a:xfrm>
+            <a:prstGeom prst="rect">
+              <a:avLst/>
+            </a:prstGeom>
+            <a:noFill/>
+          </p:spPr>
+          <p:txBody>
+            <a:bodyPr wrap="none" rtlCol="0">
+              <a:spAutoFit/>
+            </a:bodyPr>
+            <a:lstStyle/>
+            <a:p>
+              <a:r>
+                <a:rPr lang="en-US" altLang="zh-CN" sz="2400" b="1" dirty="0">
+                  <a:solidFill>
+                    <a:srgbClr val="FFFF00"/>
+                  </a:solidFill>
+                </a:rPr>
+                <a:t>1</a:t>
+              </a:r>
+              <a:endParaRPr lang="zh-CN" altLang="en-US" sz="2400" b="1" dirty="0">
+                <a:solidFill>
+                  <a:srgbClr val="FFFF00"/>
+                </a:solidFill>
+              </a:endParaRPr>
+            </a:p>
+          </p:txBody>
+        </p:sp>
+      </p:grpSp>
+      <p:grpSp>
+        <p:nvGrpSpPr>
+          <p:cNvPr id="34" name="组合 33">
+            <a:extLst>
+              <a:ext uri="{FF2B5EF4-FFF2-40B4-BE49-F238E27FC236}">
+                <a16:creationId xmlns:a16="http://schemas.microsoft.com/office/drawing/2014/main" id="{D9CA7362-A7E2-4537-A45E-84DD25FD6C7C}"/>
+              </a:ext>
+            </a:extLst>
+          </p:cNvPr>
+          <p:cNvGrpSpPr/>
+          <p:nvPr/>
+        </p:nvGrpSpPr>
+        <p:grpSpPr>
+          <a:xfrm>
+            <a:off x="2228850" y="2085974"/>
+            <a:ext cx="1714500" cy="914401"/>
+            <a:chOff x="1009650" y="866774"/>
+            <a:chExt cx="1714500" cy="914401"/>
+          </a:xfrm>
+        </p:grpSpPr>
+        <p:pic>
+          <p:nvPicPr>
+            <p:cNvPr id="35" name="图片 34">
+              <a:extLst>
+                <a:ext uri="{FF2B5EF4-FFF2-40B4-BE49-F238E27FC236}">
+                  <a16:creationId xmlns:a16="http://schemas.microsoft.com/office/drawing/2014/main" id="{C0996F8A-D625-4618-8E64-3DD502CDBEF2}"/>
+                </a:ext>
+              </a:extLst>
+            </p:cNvPr>
+            <p:cNvPicPr>
+              <a:picLocks noChangeAspect="1"/>
+            </p:cNvPicPr>
+            <p:nvPr/>
+          </p:nvPicPr>
+          <p:blipFill rotWithShape="1">
+            <a:blip r:embed="rId2"/>
+            <a:srcRect l="43047" t="71407" r="42890" b="14321"/>
+            <a:stretch/>
+          </p:blipFill>
+          <p:spPr>
+            <a:xfrm>
+              <a:off x="1009650" y="866774"/>
+              <a:ext cx="1714500" cy="914401"/>
+            </a:xfrm>
+            <a:prstGeom prst="rect">
+              <a:avLst/>
+            </a:prstGeom>
+          </p:spPr>
+        </p:pic>
+        <p:sp>
+          <p:nvSpPr>
+            <p:cNvPr id="36" name="文本框 35">
+              <a:extLst>
+                <a:ext uri="{FF2B5EF4-FFF2-40B4-BE49-F238E27FC236}">
+                  <a16:creationId xmlns:a16="http://schemas.microsoft.com/office/drawing/2014/main" id="{0AB6010F-6922-4AA8-9075-4E5E33602A8B}"/>
+                </a:ext>
+              </a:extLst>
+            </p:cNvPr>
+            <p:cNvSpPr txBox="1"/>
+            <p:nvPr/>
+          </p:nvSpPr>
+          <p:spPr>
+            <a:xfrm>
+              <a:off x="1682169" y="1228725"/>
+              <a:ext cx="356188" cy="461665"/>
+            </a:xfrm>
+            <a:prstGeom prst="rect">
+              <a:avLst/>
+            </a:prstGeom>
+            <a:noFill/>
+          </p:spPr>
+          <p:txBody>
+            <a:bodyPr wrap="none" rtlCol="0">
+              <a:spAutoFit/>
+            </a:bodyPr>
+            <a:lstStyle/>
+            <a:p>
+              <a:r>
+                <a:rPr lang="en-US" altLang="zh-CN" sz="2400" b="1" dirty="0">
+                  <a:solidFill>
+                    <a:srgbClr val="FFFF00"/>
+                  </a:solidFill>
+                </a:rPr>
+                <a:t>1</a:t>
+              </a:r>
+              <a:endParaRPr lang="zh-CN" altLang="en-US" sz="2400" b="1" dirty="0">
+                <a:solidFill>
+                  <a:srgbClr val="FFFF00"/>
+                </a:solidFill>
+              </a:endParaRPr>
+            </a:p>
+          </p:txBody>
+        </p:sp>
+      </p:grpSp>
+    </p:spTree>
+    <p:extLst>
+      <p:ext uri="{BB962C8B-B14F-4D97-AF65-F5344CB8AC3E}">
+        <p14:creationId xmlns:p14="http://schemas.microsoft.com/office/powerpoint/2010/main" val="3128605649"/>
+      </p:ext>
+    </p:extLst>
+  </p:cSld>
+  <p:clrMapOvr>
+    <a:masterClrMapping/>
+  </p:clrMapOvr>
+</p:sld>
+</file>
+
+<file path=ppt/slides/slide9.xml><?xml version="1.0" encoding="utf-8"?>
+<p:sld xmlns:a="http://schemas.openxmlformats.org/drawingml/2006/main" xmlns:r="http://schemas.openxmlformats.org/officeDocument/2006/relationships" xmlns:p="http://schemas.openxmlformats.org/presentationml/2006/main">
+  <p:cSld>
+    <p:spTree>
+      <p:nvGrpSpPr>
+        <p:cNvPr id="1" name=""/>
+        <p:cNvGrpSpPr/>
+        <p:nvPr/>
+      </p:nvGrpSpPr>
+      <p:grpSpPr>
+        <a:xfrm>
+          <a:off x="0" y="0"/>
+          <a:ext cx="0" cy="0"/>
+          <a:chOff x="0" y="0"/>
+          <a:chExt cx="0" cy="0"/>
+        </a:xfrm>
+      </p:grpSpPr>
+      <p:grpSp>
+        <p:nvGrpSpPr>
+          <p:cNvPr id="31" name="组合 30">
+            <a:extLst>
+              <a:ext uri="{FF2B5EF4-FFF2-40B4-BE49-F238E27FC236}">
+                <a16:creationId xmlns:a16="http://schemas.microsoft.com/office/drawing/2014/main" id="{2A1621FB-49EA-4ED6-9D5F-56F6E52F5193}"/>
+              </a:ext>
+            </a:extLst>
+          </p:cNvPr>
+          <p:cNvGrpSpPr/>
+          <p:nvPr/>
+        </p:nvGrpSpPr>
+        <p:grpSpPr>
+          <a:xfrm>
+            <a:off x="0" y="225425"/>
+            <a:ext cx="12192000" cy="6407150"/>
+            <a:chOff x="0" y="225425"/>
+            <a:chExt cx="12192000" cy="6407150"/>
+          </a:xfrm>
+        </p:grpSpPr>
+        <p:pic>
+          <p:nvPicPr>
+            <p:cNvPr id="3" name="图片 2">
+              <a:extLst>
+                <a:ext uri="{FF2B5EF4-FFF2-40B4-BE49-F238E27FC236}">
+                  <a16:creationId xmlns:a16="http://schemas.microsoft.com/office/drawing/2014/main" id="{910D1CA9-2966-4E9F-83BE-352D264F3D00}"/>
+                </a:ext>
+              </a:extLst>
+            </p:cNvPr>
+            <p:cNvPicPr>
+              <a:picLocks noChangeAspect="1"/>
+            </p:cNvPicPr>
+            <p:nvPr/>
+          </p:nvPicPr>
+          <p:blipFill>
+            <a:blip r:embed="rId2"/>
+            <a:stretch>
+              <a:fillRect/>
+            </a:stretch>
+          </p:blipFill>
+          <p:spPr>
+            <a:xfrm>
+              <a:off x="0" y="225425"/>
+              <a:ext cx="12192000" cy="6407150"/>
+            </a:xfrm>
+            <a:prstGeom prst="rect">
+              <a:avLst/>
+            </a:prstGeom>
+          </p:spPr>
+        </p:pic>
+        <p:grpSp>
+          <p:nvGrpSpPr>
+            <p:cNvPr id="7" name="组合 6">
+              <a:extLst>
+                <a:ext uri="{FF2B5EF4-FFF2-40B4-BE49-F238E27FC236}">
+                  <a16:creationId xmlns:a16="http://schemas.microsoft.com/office/drawing/2014/main" id="{E1EB974F-EEE5-445F-8F3E-B9A2CCC356DF}"/>
+                </a:ext>
+              </a:extLst>
+            </p:cNvPr>
+            <p:cNvGrpSpPr/>
+            <p:nvPr/>
+          </p:nvGrpSpPr>
+          <p:grpSpPr>
+            <a:xfrm>
+              <a:off x="3488622" y="2955516"/>
+              <a:ext cx="1714500" cy="914401"/>
+              <a:chOff x="1009650" y="866774"/>
+              <a:chExt cx="1714500" cy="914401"/>
+            </a:xfrm>
+          </p:grpSpPr>
+          <p:pic>
+            <p:nvPicPr>
+              <p:cNvPr id="8" name="图片 7">
+                <a:extLst>
+                  <a:ext uri="{FF2B5EF4-FFF2-40B4-BE49-F238E27FC236}">
+                    <a16:creationId xmlns:a16="http://schemas.microsoft.com/office/drawing/2014/main" id="{C08A3CAC-9B3F-47AD-BC5A-2FB62283152C}"/>
+                  </a:ext>
+                </a:extLst>
+              </p:cNvPr>
+              <p:cNvPicPr>
+                <a:picLocks noChangeAspect="1"/>
+              </p:cNvPicPr>
+              <p:nvPr/>
+            </p:nvPicPr>
+            <p:blipFill rotWithShape="1">
+              <a:blip r:embed="rId3"/>
+              <a:srcRect l="43047" t="71407" r="42890" b="14321"/>
+              <a:stretch/>
+            </p:blipFill>
+            <p:spPr>
+              <a:xfrm>
+                <a:off x="1009650" y="866774"/>
+                <a:ext cx="1714500" cy="914401"/>
+              </a:xfrm>
+              <a:prstGeom prst="rect">
+                <a:avLst/>
+              </a:prstGeom>
+            </p:spPr>
+          </p:pic>
+          <p:sp>
+            <p:nvSpPr>
+              <p:cNvPr id="9" name="文本框 8">
+                <a:extLst>
+                  <a:ext uri="{FF2B5EF4-FFF2-40B4-BE49-F238E27FC236}">
+                    <a16:creationId xmlns:a16="http://schemas.microsoft.com/office/drawing/2014/main" id="{3BEEAB5B-0A03-4300-BAB1-FA920CE22602}"/>
+                  </a:ext>
+                </a:extLst>
+              </p:cNvPr>
+              <p:cNvSpPr txBox="1"/>
+              <p:nvPr/>
+            </p:nvSpPr>
+            <p:spPr>
+              <a:xfrm>
+                <a:off x="1682169" y="1228725"/>
+                <a:ext cx="356188" cy="461665"/>
+              </a:xfrm>
+              <a:prstGeom prst="rect">
+                <a:avLst/>
+              </a:prstGeom>
+              <a:noFill/>
+            </p:spPr>
+            <p:txBody>
+              <a:bodyPr wrap="none" rtlCol="0">
+                <a:spAutoFit/>
+              </a:bodyPr>
+              <a:lstStyle/>
+              <a:p>
+                <a:r>
+                  <a:rPr lang="en-US" altLang="zh-CN" sz="2400" b="1" dirty="0">
+                    <a:solidFill>
+                      <a:srgbClr val="FFFF00"/>
+                    </a:solidFill>
+                  </a:rPr>
+                  <a:t>4</a:t>
+                </a:r>
+                <a:endParaRPr lang="zh-CN" altLang="en-US" sz="2400" b="1" dirty="0">
+                  <a:solidFill>
+                    <a:srgbClr val="FFFF00"/>
+                  </a:solidFill>
+                </a:endParaRPr>
+              </a:p>
+            </p:txBody>
+          </p:sp>
+        </p:grpSp>
+        <p:grpSp>
+          <p:nvGrpSpPr>
+            <p:cNvPr id="10" name="组合 9">
+              <a:extLst>
+                <a:ext uri="{FF2B5EF4-FFF2-40B4-BE49-F238E27FC236}">
+                  <a16:creationId xmlns:a16="http://schemas.microsoft.com/office/drawing/2014/main" id="{FCFDAE2C-3C36-4DA4-ADD9-C3B550A6E42D}"/>
+                </a:ext>
+              </a:extLst>
+            </p:cNvPr>
+            <p:cNvGrpSpPr/>
+            <p:nvPr/>
+          </p:nvGrpSpPr>
+          <p:grpSpPr>
+            <a:xfrm>
+              <a:off x="3524250" y="3867106"/>
+              <a:ext cx="1714500" cy="914401"/>
+              <a:chOff x="1009650" y="866774"/>
+              <a:chExt cx="1714500" cy="914401"/>
+            </a:xfrm>
+          </p:grpSpPr>
+          <p:pic>
+            <p:nvPicPr>
+              <p:cNvPr id="11" name="图片 10">
+                <a:extLst>
+                  <a:ext uri="{FF2B5EF4-FFF2-40B4-BE49-F238E27FC236}">
+                    <a16:creationId xmlns:a16="http://schemas.microsoft.com/office/drawing/2014/main" id="{E005C50A-24DA-4B7B-9B39-7F00D9963D22}"/>
+                  </a:ext>
+                </a:extLst>
+              </p:cNvPr>
+              <p:cNvPicPr>
+                <a:picLocks noChangeAspect="1"/>
+              </p:cNvPicPr>
+              <p:nvPr/>
+            </p:nvPicPr>
+            <p:blipFill rotWithShape="1">
+              <a:blip r:embed="rId3"/>
+              <a:srcRect l="43047" t="71407" r="42890" b="14321"/>
+              <a:stretch/>
+            </p:blipFill>
+            <p:spPr>
+              <a:xfrm>
+                <a:off x="1009650" y="866774"/>
+                <a:ext cx="1714500" cy="914401"/>
+              </a:xfrm>
+              <a:prstGeom prst="rect">
+                <a:avLst/>
+              </a:prstGeom>
+            </p:spPr>
+          </p:pic>
+          <p:sp>
+            <p:nvSpPr>
+              <p:cNvPr id="12" name="文本框 11">
+                <a:extLst>
+                  <a:ext uri="{FF2B5EF4-FFF2-40B4-BE49-F238E27FC236}">
+                    <a16:creationId xmlns:a16="http://schemas.microsoft.com/office/drawing/2014/main" id="{99C8EF74-A3C0-49E6-9BB6-62E1554E743E}"/>
+                  </a:ext>
+                </a:extLst>
+              </p:cNvPr>
+              <p:cNvSpPr txBox="1"/>
+              <p:nvPr/>
+            </p:nvSpPr>
+            <p:spPr>
+              <a:xfrm>
+                <a:off x="1682169" y="1228725"/>
+                <a:ext cx="356188" cy="461665"/>
+              </a:xfrm>
+              <a:prstGeom prst="rect">
+                <a:avLst/>
+              </a:prstGeom>
+              <a:noFill/>
+            </p:spPr>
+            <p:txBody>
+              <a:bodyPr wrap="none" rtlCol="0">
+                <a:spAutoFit/>
+              </a:bodyPr>
+              <a:lstStyle/>
+              <a:p>
+                <a:r>
+                  <a:rPr lang="en-US" altLang="zh-CN" sz="2400" b="1" dirty="0">
+                    <a:solidFill>
+                      <a:srgbClr val="FFFF00"/>
+                    </a:solidFill>
+                  </a:rPr>
+                  <a:t>3</a:t>
+                </a:r>
+                <a:endParaRPr lang="zh-CN" altLang="en-US" sz="2400" b="1" dirty="0">
+                  <a:solidFill>
+                    <a:srgbClr val="FFFF00"/>
+                  </a:solidFill>
+                </a:endParaRPr>
+              </a:p>
+            </p:txBody>
+          </p:sp>
+        </p:grpSp>
+        <p:grpSp>
+          <p:nvGrpSpPr>
+            <p:cNvPr id="13" name="组合 12">
+              <a:extLst>
+                <a:ext uri="{FF2B5EF4-FFF2-40B4-BE49-F238E27FC236}">
+                  <a16:creationId xmlns:a16="http://schemas.microsoft.com/office/drawing/2014/main" id="{178109E7-E5DA-4CBD-9790-DD56F6A368C7}"/>
+                </a:ext>
+              </a:extLst>
+            </p:cNvPr>
+            <p:cNvGrpSpPr/>
+            <p:nvPr/>
+          </p:nvGrpSpPr>
+          <p:grpSpPr>
+            <a:xfrm>
+              <a:off x="5186545" y="4781507"/>
+              <a:ext cx="1714500" cy="914401"/>
+              <a:chOff x="1009650" y="866774"/>
+              <a:chExt cx="1714500" cy="914401"/>
+            </a:xfrm>
+          </p:grpSpPr>
+          <p:pic>
+            <p:nvPicPr>
+              <p:cNvPr id="14" name="图片 13">
+                <a:extLst>
+                  <a:ext uri="{FF2B5EF4-FFF2-40B4-BE49-F238E27FC236}">
+                    <a16:creationId xmlns:a16="http://schemas.microsoft.com/office/drawing/2014/main" id="{54925C81-1C10-4948-9D92-CF56082E5641}"/>
+                  </a:ext>
+                </a:extLst>
+              </p:cNvPr>
+              <p:cNvPicPr>
+                <a:picLocks noChangeAspect="1"/>
+              </p:cNvPicPr>
+              <p:nvPr/>
+            </p:nvPicPr>
+            <p:blipFill rotWithShape="1">
+              <a:blip r:embed="rId3"/>
+              <a:srcRect l="43047" t="71407" r="42890" b="14321"/>
+              <a:stretch/>
+            </p:blipFill>
+            <p:spPr>
+              <a:xfrm>
+                <a:off x="1009650" y="866774"/>
+                <a:ext cx="1714500" cy="914401"/>
+              </a:xfrm>
+              <a:prstGeom prst="rect">
+                <a:avLst/>
+              </a:prstGeom>
+            </p:spPr>
+          </p:pic>
+          <p:sp>
+            <p:nvSpPr>
+              <p:cNvPr id="15" name="文本框 14">
+                <a:extLst>
+                  <a:ext uri="{FF2B5EF4-FFF2-40B4-BE49-F238E27FC236}">
+                    <a16:creationId xmlns:a16="http://schemas.microsoft.com/office/drawing/2014/main" id="{77E12348-A6B6-48AA-B8AA-35A30C52603B}"/>
+                  </a:ext>
+                </a:extLst>
+              </p:cNvPr>
+              <p:cNvSpPr txBox="1"/>
+              <p:nvPr/>
+            </p:nvSpPr>
+            <p:spPr>
+              <a:xfrm>
+                <a:off x="1682169" y="1228725"/>
+                <a:ext cx="356188" cy="461665"/>
+              </a:xfrm>
+              <a:prstGeom prst="rect">
+                <a:avLst/>
+              </a:prstGeom>
+              <a:noFill/>
+            </p:spPr>
+            <p:txBody>
+              <a:bodyPr wrap="none" rtlCol="0">
+                <a:spAutoFit/>
+              </a:bodyPr>
+              <a:lstStyle/>
+              <a:p>
+                <a:r>
+                  <a:rPr lang="en-US" altLang="zh-CN" sz="2400" b="1" dirty="0">
+                    <a:solidFill>
+                      <a:srgbClr val="FFFF00"/>
+                    </a:solidFill>
+                  </a:rPr>
+                  <a:t>1</a:t>
+                </a:r>
+                <a:endParaRPr lang="zh-CN" altLang="en-US" sz="2400" b="1" dirty="0">
+                  <a:solidFill>
+                    <a:srgbClr val="FFFF00"/>
+                  </a:solidFill>
+                </a:endParaRPr>
+              </a:p>
+            </p:txBody>
+          </p:sp>
+        </p:grpSp>
+        <p:grpSp>
+          <p:nvGrpSpPr>
+            <p:cNvPr id="16" name="组合 15">
+              <a:extLst>
+                <a:ext uri="{FF2B5EF4-FFF2-40B4-BE49-F238E27FC236}">
+                  <a16:creationId xmlns:a16="http://schemas.microsoft.com/office/drawing/2014/main" id="{BABB022E-863D-44D2-A134-C65C78C60830}"/>
+                </a:ext>
+              </a:extLst>
+            </p:cNvPr>
+            <p:cNvGrpSpPr/>
+            <p:nvPr/>
+          </p:nvGrpSpPr>
+          <p:grpSpPr>
+            <a:xfrm>
+              <a:off x="5223987" y="3872728"/>
+              <a:ext cx="1714500" cy="914401"/>
+              <a:chOff x="1009650" y="866774"/>
+              <a:chExt cx="1714500" cy="914401"/>
+            </a:xfrm>
+          </p:grpSpPr>
+          <p:pic>
+            <p:nvPicPr>
+              <p:cNvPr id="17" name="图片 16">
+                <a:extLst>
+                  <a:ext uri="{FF2B5EF4-FFF2-40B4-BE49-F238E27FC236}">
+                    <a16:creationId xmlns:a16="http://schemas.microsoft.com/office/drawing/2014/main" id="{E1AD9D51-E8E0-4EB9-BFAB-EF1761E60E0B}"/>
+                  </a:ext>
+                </a:extLst>
+              </p:cNvPr>
+              <p:cNvPicPr>
+                <a:picLocks noChangeAspect="1"/>
+              </p:cNvPicPr>
+              <p:nvPr/>
+            </p:nvPicPr>
+            <p:blipFill rotWithShape="1">
+              <a:blip r:embed="rId3"/>
+              <a:srcRect l="43047" t="71407" r="42890" b="14321"/>
+              <a:stretch/>
+            </p:blipFill>
+            <p:spPr>
+              <a:xfrm>
+                <a:off x="1009650" y="866774"/>
+                <a:ext cx="1714500" cy="914401"/>
+              </a:xfrm>
+              <a:prstGeom prst="rect">
+                <a:avLst/>
+              </a:prstGeom>
+            </p:spPr>
+          </p:pic>
+          <p:sp>
+            <p:nvSpPr>
+              <p:cNvPr id="18" name="文本框 17">
+                <a:extLst>
+                  <a:ext uri="{FF2B5EF4-FFF2-40B4-BE49-F238E27FC236}">
+                    <a16:creationId xmlns:a16="http://schemas.microsoft.com/office/drawing/2014/main" id="{44D720A9-6332-4283-9DA6-AF4698EF36F5}"/>
+                  </a:ext>
+                </a:extLst>
+              </p:cNvPr>
+              <p:cNvSpPr txBox="1"/>
+              <p:nvPr/>
+            </p:nvSpPr>
+            <p:spPr>
+              <a:xfrm>
+                <a:off x="1682169" y="1228725"/>
+                <a:ext cx="356188" cy="461665"/>
+              </a:xfrm>
+              <a:prstGeom prst="rect">
+                <a:avLst/>
+              </a:prstGeom>
+              <a:noFill/>
+            </p:spPr>
+            <p:txBody>
+              <a:bodyPr wrap="none" rtlCol="0">
+                <a:spAutoFit/>
+              </a:bodyPr>
+              <a:lstStyle/>
+              <a:p>
+                <a:r>
+                  <a:rPr lang="en-US" altLang="zh-CN" sz="2400" b="1" dirty="0">
+                    <a:solidFill>
+                      <a:srgbClr val="FFFF00"/>
+                    </a:solidFill>
+                  </a:rPr>
+                  <a:t>2</a:t>
+                </a:r>
+                <a:endParaRPr lang="zh-CN" altLang="en-US" sz="2400" b="1" dirty="0">
+                  <a:solidFill>
+                    <a:srgbClr val="FFFF00"/>
+                  </a:solidFill>
+                </a:endParaRPr>
+              </a:p>
+            </p:txBody>
+          </p:sp>
+        </p:grpSp>
+        <p:grpSp>
+          <p:nvGrpSpPr>
+            <p:cNvPr id="19" name="组合 18">
+              <a:extLst>
+                <a:ext uri="{FF2B5EF4-FFF2-40B4-BE49-F238E27FC236}">
+                  <a16:creationId xmlns:a16="http://schemas.microsoft.com/office/drawing/2014/main" id="{05746B9B-1FB4-4618-8222-09A393FB0751}"/>
+                </a:ext>
+              </a:extLst>
+            </p:cNvPr>
+            <p:cNvGrpSpPr/>
+            <p:nvPr/>
+          </p:nvGrpSpPr>
+          <p:grpSpPr>
+            <a:xfrm>
+              <a:off x="6953250" y="2963948"/>
+              <a:ext cx="1714500" cy="914401"/>
+              <a:chOff x="1009650" y="866774"/>
+              <a:chExt cx="1714500" cy="914401"/>
+            </a:xfrm>
+          </p:grpSpPr>
+          <p:pic>
+            <p:nvPicPr>
+              <p:cNvPr id="20" name="图片 19">
+                <a:extLst>
+                  <a:ext uri="{FF2B5EF4-FFF2-40B4-BE49-F238E27FC236}">
+                    <a16:creationId xmlns:a16="http://schemas.microsoft.com/office/drawing/2014/main" id="{AEEC75C0-E914-4EAF-84EA-0178CE4B7C80}"/>
+                  </a:ext>
+                </a:extLst>
+              </p:cNvPr>
+              <p:cNvPicPr>
+                <a:picLocks noChangeAspect="1"/>
+              </p:cNvPicPr>
+              <p:nvPr/>
+            </p:nvPicPr>
+            <p:blipFill rotWithShape="1">
+              <a:blip r:embed="rId3"/>
+              <a:srcRect l="43047" t="71407" r="42890" b="14321"/>
+              <a:stretch/>
+            </p:blipFill>
+            <p:spPr>
+              <a:xfrm>
+                <a:off x="1009650" y="866774"/>
+                <a:ext cx="1714500" cy="914401"/>
+              </a:xfrm>
+              <a:prstGeom prst="rect">
+                <a:avLst/>
+              </a:prstGeom>
+            </p:spPr>
+          </p:pic>
+          <p:sp>
+            <p:nvSpPr>
+              <p:cNvPr id="21" name="文本框 20">
+                <a:extLst>
+                  <a:ext uri="{FF2B5EF4-FFF2-40B4-BE49-F238E27FC236}">
+                    <a16:creationId xmlns:a16="http://schemas.microsoft.com/office/drawing/2014/main" id="{C9D435FE-C6C7-48AC-9FBF-164065862E1C}"/>
+                  </a:ext>
+                </a:extLst>
+              </p:cNvPr>
+              <p:cNvSpPr txBox="1"/>
+              <p:nvPr/>
+            </p:nvSpPr>
+            <p:spPr>
+              <a:xfrm>
+                <a:off x="1682169" y="1228725"/>
+                <a:ext cx="356188" cy="461665"/>
+              </a:xfrm>
+              <a:prstGeom prst="rect">
+                <a:avLst/>
+              </a:prstGeom>
+              <a:noFill/>
+            </p:spPr>
+            <p:txBody>
+              <a:bodyPr wrap="none" rtlCol="0">
+                <a:spAutoFit/>
+              </a:bodyPr>
+              <a:lstStyle/>
+              <a:p>
+                <a:r>
+                  <a:rPr lang="en-US" altLang="zh-CN" sz="2400" b="1" dirty="0">
+                    <a:solidFill>
+                      <a:srgbClr val="FFFF00"/>
+                    </a:solidFill>
+                  </a:rPr>
+                  <a:t>6</a:t>
+                </a:r>
+                <a:endParaRPr lang="zh-CN" altLang="en-US" sz="2400" b="1" dirty="0">
+                  <a:solidFill>
+                    <a:srgbClr val="FFFF00"/>
+                  </a:solidFill>
+                </a:endParaRPr>
+              </a:p>
+            </p:txBody>
+          </p:sp>
+        </p:grpSp>
+        <p:grpSp>
+          <p:nvGrpSpPr>
+            <p:cNvPr id="22" name="组合 21">
+              <a:extLst>
+                <a:ext uri="{FF2B5EF4-FFF2-40B4-BE49-F238E27FC236}">
+                  <a16:creationId xmlns:a16="http://schemas.microsoft.com/office/drawing/2014/main" id="{4D4E4317-D499-4B3D-B53B-D00B7D1609D8}"/>
+                </a:ext>
+              </a:extLst>
+            </p:cNvPr>
+            <p:cNvGrpSpPr/>
+            <p:nvPr/>
+          </p:nvGrpSpPr>
+          <p:grpSpPr>
+            <a:xfrm>
+              <a:off x="5238750" y="2963949"/>
+              <a:ext cx="1714500" cy="914401"/>
+              <a:chOff x="1009650" y="866774"/>
+              <a:chExt cx="1714500" cy="914401"/>
+            </a:xfrm>
+          </p:grpSpPr>
+          <p:pic>
+            <p:nvPicPr>
+              <p:cNvPr id="23" name="图片 22">
+                <a:extLst>
+                  <a:ext uri="{FF2B5EF4-FFF2-40B4-BE49-F238E27FC236}">
+                    <a16:creationId xmlns:a16="http://schemas.microsoft.com/office/drawing/2014/main" id="{308DC439-02D5-4B35-B45A-6996EAB0CC93}"/>
+                  </a:ext>
+                </a:extLst>
+              </p:cNvPr>
+              <p:cNvPicPr>
+                <a:picLocks noChangeAspect="1"/>
+              </p:cNvPicPr>
+              <p:nvPr/>
+            </p:nvPicPr>
+            <p:blipFill rotWithShape="1">
+              <a:blip r:embed="rId3"/>
+              <a:srcRect l="43047" t="71407" r="42890" b="14321"/>
+              <a:stretch/>
+            </p:blipFill>
+            <p:spPr>
+              <a:xfrm>
+                <a:off x="1009650" y="866774"/>
+                <a:ext cx="1714500" cy="914401"/>
+              </a:xfrm>
+              <a:prstGeom prst="rect">
+                <a:avLst/>
+              </a:prstGeom>
+            </p:spPr>
+          </p:pic>
+          <p:sp>
+            <p:nvSpPr>
+              <p:cNvPr id="24" name="文本框 23">
+                <a:extLst>
+                  <a:ext uri="{FF2B5EF4-FFF2-40B4-BE49-F238E27FC236}">
+                    <a16:creationId xmlns:a16="http://schemas.microsoft.com/office/drawing/2014/main" id="{C217E290-8936-4197-BB52-5078CBD0E1E0}"/>
+                  </a:ext>
+                </a:extLst>
+              </p:cNvPr>
+              <p:cNvSpPr txBox="1"/>
+              <p:nvPr/>
+            </p:nvSpPr>
+            <p:spPr>
+              <a:xfrm>
+                <a:off x="1449158" y="1228724"/>
+                <a:ext cx="835485" cy="461665"/>
+              </a:xfrm>
+              <a:prstGeom prst="rect">
+                <a:avLst/>
+              </a:prstGeom>
+              <a:noFill/>
+            </p:spPr>
+            <p:txBody>
+              <a:bodyPr wrap="none" rtlCol="0">
+                <a:spAutoFit/>
+              </a:bodyPr>
+              <a:lstStyle/>
+              <a:p>
+                <a:r>
+                  <a:rPr lang="en-US" altLang="zh-CN" sz="2400" b="1" dirty="0">
+                    <a:solidFill>
+                      <a:srgbClr val="FFFF00"/>
+                    </a:solidFill>
+                  </a:rPr>
+                  <a:t>5</a:t>
+                </a:r>
+                <a:r>
+                  <a:rPr lang="zh-CN" altLang="en-US" sz="2400" b="1" dirty="0">
+                    <a:solidFill>
+                      <a:srgbClr val="FFFF00"/>
+                    </a:solidFill>
+                  </a:rPr>
+                  <a:t>、</a:t>
+                </a:r>
+                <a:r>
+                  <a:rPr lang="en-US" altLang="zh-CN" sz="2400" b="1" dirty="0">
+                    <a:solidFill>
+                      <a:srgbClr val="FFFF00"/>
+                    </a:solidFill>
+                  </a:rPr>
+                  <a:t>7</a:t>
+                </a:r>
+                <a:endParaRPr lang="zh-CN" altLang="en-US" sz="2400" b="1" dirty="0">
+                  <a:solidFill>
+                    <a:srgbClr val="FFFF00"/>
+                  </a:solidFill>
+                </a:endParaRPr>
+              </a:p>
+            </p:txBody>
+          </p:sp>
+        </p:grpSp>
+        <p:grpSp>
+          <p:nvGrpSpPr>
+            <p:cNvPr id="25" name="组合 24">
+              <a:extLst>
+                <a:ext uri="{FF2B5EF4-FFF2-40B4-BE49-F238E27FC236}">
+                  <a16:creationId xmlns:a16="http://schemas.microsoft.com/office/drawing/2014/main" id="{D455F9EE-4F48-48DC-A459-1A585EA24414}"/>
+                </a:ext>
+              </a:extLst>
+            </p:cNvPr>
+            <p:cNvGrpSpPr/>
+            <p:nvPr/>
+          </p:nvGrpSpPr>
+          <p:grpSpPr>
+            <a:xfrm>
+              <a:off x="5216730" y="2049548"/>
+              <a:ext cx="1714500" cy="914401"/>
+              <a:chOff x="1009650" y="866774"/>
+              <a:chExt cx="1714500" cy="914401"/>
+            </a:xfrm>
+          </p:grpSpPr>
+          <p:pic>
+            <p:nvPicPr>
+              <p:cNvPr id="26" name="图片 25">
+                <a:extLst>
+                  <a:ext uri="{FF2B5EF4-FFF2-40B4-BE49-F238E27FC236}">
+                    <a16:creationId xmlns:a16="http://schemas.microsoft.com/office/drawing/2014/main" id="{A89A04F6-0CF7-4CCB-9CC1-9FFBCA4016F4}"/>
+                  </a:ext>
+                </a:extLst>
+              </p:cNvPr>
+              <p:cNvPicPr>
+                <a:picLocks noChangeAspect="1"/>
+              </p:cNvPicPr>
+              <p:nvPr/>
+            </p:nvPicPr>
+            <p:blipFill rotWithShape="1">
+              <a:blip r:embed="rId3"/>
+              <a:srcRect l="43047" t="71407" r="42890" b="14321"/>
+              <a:stretch/>
+            </p:blipFill>
+            <p:spPr>
+              <a:xfrm>
+                <a:off x="1009650" y="866774"/>
+                <a:ext cx="1714500" cy="914401"/>
+              </a:xfrm>
+              <a:prstGeom prst="rect">
+                <a:avLst/>
+              </a:prstGeom>
+            </p:spPr>
+          </p:pic>
+          <p:sp>
+            <p:nvSpPr>
+              <p:cNvPr id="27" name="文本框 26">
+                <a:extLst>
+                  <a:ext uri="{FF2B5EF4-FFF2-40B4-BE49-F238E27FC236}">
+                    <a16:creationId xmlns:a16="http://schemas.microsoft.com/office/drawing/2014/main" id="{A9B4337C-13F2-4CB6-8585-462875A0D529}"/>
+                  </a:ext>
+                </a:extLst>
+              </p:cNvPr>
+              <p:cNvSpPr txBox="1"/>
+              <p:nvPr/>
+            </p:nvSpPr>
+            <p:spPr>
+              <a:xfrm>
+                <a:off x="1682169" y="1228725"/>
+                <a:ext cx="356188" cy="461665"/>
+              </a:xfrm>
+              <a:prstGeom prst="rect">
+                <a:avLst/>
+              </a:prstGeom>
+              <a:noFill/>
+            </p:spPr>
+            <p:txBody>
+              <a:bodyPr wrap="none" rtlCol="0">
+                <a:spAutoFit/>
+              </a:bodyPr>
+              <a:lstStyle/>
+              <a:p>
+                <a:r>
+                  <a:rPr lang="en-US" altLang="zh-CN" sz="2400" b="1" dirty="0">
+                    <a:solidFill>
+                      <a:srgbClr val="FFFF00"/>
+                    </a:solidFill>
+                  </a:rPr>
+                  <a:t>8</a:t>
+                </a:r>
+                <a:endParaRPr lang="zh-CN" altLang="en-US" sz="2400" b="1" dirty="0">
+                  <a:solidFill>
+                    <a:srgbClr val="FFFF00"/>
+                  </a:solidFill>
+                </a:endParaRPr>
+              </a:p>
+            </p:txBody>
+          </p:sp>
+        </p:grpSp>
+        <p:grpSp>
+          <p:nvGrpSpPr>
+            <p:cNvPr id="28" name="组合 27">
+              <a:extLst>
+                <a:ext uri="{FF2B5EF4-FFF2-40B4-BE49-F238E27FC236}">
+                  <a16:creationId xmlns:a16="http://schemas.microsoft.com/office/drawing/2014/main" id="{98B66A27-DBC5-4487-AA10-10DA6E233AD3}"/>
+                </a:ext>
+              </a:extLst>
+            </p:cNvPr>
+            <p:cNvGrpSpPr/>
+            <p:nvPr/>
+          </p:nvGrpSpPr>
+          <p:grpSpPr>
+            <a:xfrm>
+              <a:off x="3510642" y="2066401"/>
+              <a:ext cx="1714500" cy="914401"/>
+              <a:chOff x="1009650" y="866774"/>
+              <a:chExt cx="1714500" cy="914401"/>
+            </a:xfrm>
+          </p:grpSpPr>
+          <p:pic>
+            <p:nvPicPr>
+              <p:cNvPr id="29" name="图片 28">
+                <a:extLst>
+                  <a:ext uri="{FF2B5EF4-FFF2-40B4-BE49-F238E27FC236}">
+                    <a16:creationId xmlns:a16="http://schemas.microsoft.com/office/drawing/2014/main" id="{04068028-6346-4A01-A1E5-B62819EBB359}"/>
+                  </a:ext>
+                </a:extLst>
+              </p:cNvPr>
+              <p:cNvPicPr>
+                <a:picLocks noChangeAspect="1"/>
+              </p:cNvPicPr>
+              <p:nvPr/>
+            </p:nvPicPr>
+            <p:blipFill rotWithShape="1">
+              <a:blip r:embed="rId3"/>
+              <a:srcRect l="43047" t="71407" r="42890" b="14321"/>
+              <a:stretch/>
+            </p:blipFill>
+            <p:spPr>
+              <a:xfrm>
+                <a:off x="1009650" y="866774"/>
+                <a:ext cx="1714500" cy="914401"/>
+              </a:xfrm>
+              <a:prstGeom prst="rect">
+                <a:avLst/>
+              </a:prstGeom>
+            </p:spPr>
+          </p:pic>
+          <p:sp>
+            <p:nvSpPr>
+              <p:cNvPr id="30" name="文本框 29">
+                <a:extLst>
+                  <a:ext uri="{FF2B5EF4-FFF2-40B4-BE49-F238E27FC236}">
+                    <a16:creationId xmlns:a16="http://schemas.microsoft.com/office/drawing/2014/main" id="{CACAF2EF-2A68-4851-A5DB-9622D41E7F9D}"/>
+                  </a:ext>
+                </a:extLst>
+              </p:cNvPr>
+              <p:cNvSpPr txBox="1"/>
+              <p:nvPr/>
+            </p:nvSpPr>
+            <p:spPr>
+              <a:xfrm>
+                <a:off x="1682169" y="1228725"/>
+                <a:ext cx="356188" cy="461665"/>
+              </a:xfrm>
+              <a:prstGeom prst="rect">
+                <a:avLst/>
+              </a:prstGeom>
+              <a:noFill/>
+            </p:spPr>
+            <p:txBody>
+              <a:bodyPr wrap="none" rtlCol="0">
+                <a:spAutoFit/>
+              </a:bodyPr>
+              <a:lstStyle/>
+              <a:p>
+                <a:r>
+                  <a:rPr lang="en-US" altLang="zh-CN" sz="2400" b="1" dirty="0">
+                    <a:solidFill>
+                      <a:srgbClr val="FFFF00"/>
+                    </a:solidFill>
+                  </a:rPr>
+                  <a:t>9</a:t>
+                </a:r>
+                <a:endParaRPr lang="zh-CN" altLang="en-US" sz="2400" b="1" dirty="0">
+                  <a:solidFill>
+                    <a:srgbClr val="FFFF00"/>
+                  </a:solidFill>
+                </a:endParaRPr>
+              </a:p>
+            </p:txBody>
+          </p:sp>
+        </p:grpSp>
+      </p:grpSp>
+    </p:spTree>
+    <p:extLst>
+      <p:ext uri="{BB962C8B-B14F-4D97-AF65-F5344CB8AC3E}">
+        <p14:creationId xmlns:p14="http://schemas.microsoft.com/office/powerpoint/2010/main" val="2707747495"/>
+      </p:ext>
+    </p:extLst>
+  </p:cSld>
+  <p:clrMapOvr>
+    <a:masterClrMapping/>
+  </p:clrMapOvr>
+</p:sld>
+</file>
+
 <file path=ppt/theme/theme1.xml><?xml version="1.0" encoding="utf-8"?>
 <a:theme xmlns:a="http://schemas.openxmlformats.org/drawingml/2006/main" name="Office 主题​​">
   <a:themeElements>

--- a/HW2/Code_Template/path_draw.pptx
+++ b/HW2/Code_Template/path_draw.pptx
@@ -16,6 +16,7 @@
     <p:sldId id="265" r:id="rId10"/>
     <p:sldId id="266" r:id="rId11"/>
     <p:sldId id="267" r:id="rId12"/>
+    <p:sldId id="268" r:id="rId13"/>
   </p:sldIdLst>
   <p:sldSz cx="12192000" cy="6858000"/>
   <p:notesSz cx="6858000" cy="9144000"/>
@@ -3979,10 +3980,100 @@
           <a:chExt cx="0" cy="0"/>
         </a:xfrm>
       </p:grpSpPr>
+      <p:pic>
+        <p:nvPicPr>
+          <p:cNvPr id="33" name="图片 32">
+            <a:extLst>
+              <a:ext uri="{FF2B5EF4-FFF2-40B4-BE49-F238E27FC236}">
+                <a16:creationId xmlns:a16="http://schemas.microsoft.com/office/drawing/2014/main" id="{0B77E195-E7A3-46E1-83E6-4504D83471B2}"/>
+              </a:ext>
+            </a:extLst>
+          </p:cNvPr>
+          <p:cNvPicPr>
+            <a:picLocks noChangeAspect="1"/>
+          </p:cNvPicPr>
+          <p:nvPr/>
+        </p:nvPicPr>
+        <p:blipFill>
+          <a:blip r:embed="rId2"/>
+          <a:stretch>
+            <a:fillRect/>
+          </a:stretch>
+        </p:blipFill>
+        <p:spPr>
+          <a:xfrm>
+            <a:off x="0" y="225552"/>
+            <a:ext cx="12192000" cy="6406896"/>
+          </a:xfrm>
+          <a:prstGeom prst="rect">
+            <a:avLst/>
+          </a:prstGeom>
+        </p:spPr>
+      </p:pic>
     </p:spTree>
     <p:extLst>
       <p:ext uri="{BB962C8B-B14F-4D97-AF65-F5344CB8AC3E}">
         <p14:creationId xmlns:p14="http://schemas.microsoft.com/office/powerpoint/2010/main" val="2036218959"/>
+      </p:ext>
+    </p:extLst>
+  </p:cSld>
+  <p:clrMapOvr>
+    <a:masterClrMapping/>
+  </p:clrMapOvr>
+</p:sld>
+</file>
+
+<file path=ppt/slides/slide12.xml><?xml version="1.0" encoding="utf-8"?>
+<p:sld xmlns:a="http://schemas.openxmlformats.org/drawingml/2006/main" xmlns:r="http://schemas.openxmlformats.org/officeDocument/2006/relationships" xmlns:p="http://schemas.openxmlformats.org/presentationml/2006/main">
+  <p:cSld>
+    <p:spTree>
+      <p:nvGrpSpPr>
+        <p:cNvPr id="1" name=""/>
+        <p:cNvGrpSpPr/>
+        <p:nvPr/>
+      </p:nvGrpSpPr>
+      <p:grpSpPr>
+        <a:xfrm>
+          <a:off x="0" y="0"/>
+          <a:ext cx="0" cy="0"/>
+          <a:chOff x="0" y="0"/>
+          <a:chExt cx="0" cy="0"/>
+        </a:xfrm>
+      </p:grpSpPr>
+      <p:pic>
+        <p:nvPicPr>
+          <p:cNvPr id="2" name="图片 1">
+            <a:extLst>
+              <a:ext uri="{FF2B5EF4-FFF2-40B4-BE49-F238E27FC236}">
+                <a16:creationId xmlns:a16="http://schemas.microsoft.com/office/drawing/2014/main" id="{55D233C7-0B4D-4B84-8682-B34ED3DBFD63}"/>
+              </a:ext>
+            </a:extLst>
+          </p:cNvPr>
+          <p:cNvPicPr>
+            <a:picLocks noChangeAspect="1"/>
+          </p:cNvPicPr>
+          <p:nvPr/>
+        </p:nvPicPr>
+        <p:blipFill>
+          <a:blip r:embed="rId2"/>
+          <a:stretch>
+            <a:fillRect/>
+          </a:stretch>
+        </p:blipFill>
+        <p:spPr>
+          <a:xfrm>
+            <a:off x="0" y="225552"/>
+            <a:ext cx="12192000" cy="6406896"/>
+          </a:xfrm>
+          <a:prstGeom prst="rect">
+            <a:avLst/>
+          </a:prstGeom>
+        </p:spPr>
+      </p:pic>
+    </p:spTree>
+    <p:extLst>
+      <p:ext uri="{BB962C8B-B14F-4D97-AF65-F5344CB8AC3E}">
+        <p14:creationId xmlns:p14="http://schemas.microsoft.com/office/powerpoint/2010/main" val="186338770"/>
       </p:ext>
     </p:extLst>
   </p:cSld>
@@ -6388,10 +6479,10 @@
           </p:nvGrpSpPr>
           <p:grpSpPr>
             <a:xfrm>
-              <a:off x="5238750" y="2963949"/>
-              <a:ext cx="1714500" cy="914401"/>
-              <a:chOff x="1009650" y="866774"/>
-              <a:chExt cx="1714500" cy="914401"/>
+              <a:off x="5238750" y="2066401"/>
+              <a:ext cx="3454605" cy="1811949"/>
+              <a:chOff x="1009650" y="-30774"/>
+              <a:chExt cx="3454605" cy="1811949"/>
             </a:xfrm>
           </p:grpSpPr>
           <p:pic>
@@ -6437,8 +6528,81 @@
             </p:nvSpPr>
             <p:spPr>
               <a:xfrm>
-                <a:off x="1449158" y="1228724"/>
-                <a:ext cx="835485" cy="461665"/>
+                <a:off x="1691278" y="1228724"/>
+                <a:ext cx="356188" cy="461665"/>
+              </a:xfrm>
+              <a:prstGeom prst="rect">
+                <a:avLst/>
+              </a:prstGeom>
+              <a:noFill/>
+            </p:spPr>
+            <p:txBody>
+              <a:bodyPr wrap="square" rtlCol="0">
+                <a:spAutoFit/>
+              </a:bodyPr>
+              <a:lstStyle/>
+              <a:p>
+                <a:r>
+                  <a:rPr lang="en-US" altLang="zh-CN" sz="2400" b="1" dirty="0">
+                    <a:solidFill>
+                      <a:srgbClr val="FFFF00"/>
+                    </a:solidFill>
+                  </a:rPr>
+                  <a:t>5</a:t>
+                </a:r>
+                <a:endParaRPr lang="zh-CN" altLang="en-US" sz="2400" b="1" dirty="0">
+                  <a:solidFill>
+                    <a:srgbClr val="FFFF00"/>
+                  </a:solidFill>
+                </a:endParaRPr>
+              </a:p>
+            </p:txBody>
+          </p:sp>
+          <p:pic>
+            <p:nvPicPr>
+              <p:cNvPr id="32" name="图片 31">
+                <a:extLst>
+                  <a:ext uri="{FF2B5EF4-FFF2-40B4-BE49-F238E27FC236}">
+                    <a16:creationId xmlns:a16="http://schemas.microsoft.com/office/drawing/2014/main" id="{8182590D-8102-4A3E-8C34-CB64F7FFA725}"/>
+                  </a:ext>
+                </a:extLst>
+              </p:cNvPr>
+              <p:cNvPicPr>
+                <a:picLocks noChangeAspect="1"/>
+              </p:cNvPicPr>
+              <p:nvPr/>
+            </p:nvPicPr>
+            <p:blipFill rotWithShape="1">
+              <a:blip r:embed="rId3"/>
+              <a:srcRect l="43047" t="71407" r="42890" b="14321"/>
+              <a:stretch/>
+            </p:blipFill>
+            <p:spPr>
+              <a:xfrm>
+                <a:off x="2749755" y="-30774"/>
+                <a:ext cx="1714500" cy="914401"/>
+              </a:xfrm>
+              <a:prstGeom prst="rect">
+                <a:avLst/>
+              </a:prstGeom>
+            </p:spPr>
+          </p:pic>
+          <p:sp>
+            <p:nvSpPr>
+              <p:cNvPr id="33" name="文本框 32">
+                <a:extLst>
+                  <a:ext uri="{FF2B5EF4-FFF2-40B4-BE49-F238E27FC236}">
+                    <a16:creationId xmlns:a16="http://schemas.microsoft.com/office/drawing/2014/main" id="{94B61968-851B-41B5-83B3-DF4CF9C90E19}"/>
+                  </a:ext>
+                </a:extLst>
+              </p:cNvPr>
+              <p:cNvSpPr txBox="1"/>
+              <p:nvPr/>
+            </p:nvSpPr>
+            <p:spPr>
+              <a:xfrm>
+                <a:off x="3403306" y="314324"/>
+                <a:ext cx="356188" cy="461665"/>
               </a:xfrm>
               <a:prstGeom prst="rect">
                 <a:avLst/>
@@ -6451,22 +6615,6 @@
               </a:bodyPr>
               <a:lstStyle/>
               <a:p>
-                <a:r>
-                  <a:rPr lang="en-US" altLang="zh-CN" sz="2400" b="1" dirty="0">
-                    <a:solidFill>
-                      <a:srgbClr val="FFFF00"/>
-                    </a:solidFill>
-                  </a:rPr>
-                  <a:t>5</a:t>
-                </a:r>
-                <a:r>
-                  <a:rPr lang="zh-CN" altLang="en-US" sz="2400" b="1" dirty="0">
-                    <a:solidFill>
-                      <a:srgbClr val="FFFF00"/>
-                    </a:solidFill>
-                  </a:rPr>
-                  <a:t>、</a:t>
-                </a:r>
                 <a:r>
                   <a:rPr lang="en-US" altLang="zh-CN" sz="2400" b="1" dirty="0">
                     <a:solidFill>
@@ -6673,6 +6821,270 @@
           </p:sp>
         </p:grpSp>
       </p:grpSp>
+      <p:cxnSp>
+        <p:nvCxnSpPr>
+          <p:cNvPr id="34" name="直接箭头连接符 33">
+            <a:extLst>
+              <a:ext uri="{FF2B5EF4-FFF2-40B4-BE49-F238E27FC236}">
+                <a16:creationId xmlns:a16="http://schemas.microsoft.com/office/drawing/2014/main" id="{C0C2B2C6-12BC-4DFF-8F37-EE6D6A4FA48D}"/>
+              </a:ext>
+            </a:extLst>
+          </p:cNvPr>
+          <p:cNvCxnSpPr>
+            <a:cxnSpLocks/>
+          </p:cNvCxnSpPr>
+          <p:nvPr/>
+        </p:nvCxnSpPr>
+        <p:spPr>
+          <a:xfrm flipH="1">
+            <a:off x="4025900" y="4229057"/>
+            <a:ext cx="2326866" cy="0"/>
+          </a:xfrm>
+          <a:prstGeom prst="straightConnector1">
+            <a:avLst/>
+          </a:prstGeom>
+          <a:ln w="57150">
+            <a:solidFill>
+              <a:schemeClr val="bg1"/>
+            </a:solidFill>
+            <a:tailEnd type="triangle"/>
+          </a:ln>
+        </p:spPr>
+        <p:style>
+          <a:lnRef idx="1">
+            <a:schemeClr val="accent1"/>
+          </a:lnRef>
+          <a:fillRef idx="0">
+            <a:schemeClr val="accent1"/>
+          </a:fillRef>
+          <a:effectRef idx="0">
+            <a:schemeClr val="accent1"/>
+          </a:effectRef>
+          <a:fontRef idx="minor">
+            <a:schemeClr val="tx1"/>
+          </a:fontRef>
+        </p:style>
+      </p:cxnSp>
+      <p:cxnSp>
+        <p:nvCxnSpPr>
+          <p:cNvPr id="6" name="直接箭头连接符 5">
+            <a:extLst>
+              <a:ext uri="{FF2B5EF4-FFF2-40B4-BE49-F238E27FC236}">
+                <a16:creationId xmlns:a16="http://schemas.microsoft.com/office/drawing/2014/main" id="{86282359-EC01-495D-A4B4-4E362F995DA0}"/>
+              </a:ext>
+            </a:extLst>
+          </p:cNvPr>
+          <p:cNvCxnSpPr>
+            <a:cxnSpLocks/>
+          </p:cNvCxnSpPr>
+          <p:nvPr/>
+        </p:nvCxnSpPr>
+        <p:spPr>
+          <a:xfrm flipV="1">
+            <a:off x="6352766" y="4229057"/>
+            <a:ext cx="0" cy="1181100"/>
+          </a:xfrm>
+          <a:prstGeom prst="straightConnector1">
+            <a:avLst/>
+          </a:prstGeom>
+          <a:ln w="57150">
+            <a:solidFill>
+              <a:schemeClr val="bg1"/>
+            </a:solidFill>
+            <a:tailEnd type="triangle"/>
+          </a:ln>
+        </p:spPr>
+        <p:style>
+          <a:lnRef idx="1">
+            <a:schemeClr val="accent1"/>
+          </a:lnRef>
+          <a:fillRef idx="0">
+            <a:schemeClr val="accent1"/>
+          </a:fillRef>
+          <a:effectRef idx="0">
+            <a:schemeClr val="accent1"/>
+          </a:effectRef>
+          <a:fontRef idx="minor">
+            <a:schemeClr val="tx1"/>
+          </a:fontRef>
+        </p:style>
+      </p:cxnSp>
+      <p:cxnSp>
+        <p:nvCxnSpPr>
+          <p:cNvPr id="40" name="直接箭头连接符 39">
+            <a:extLst>
+              <a:ext uri="{FF2B5EF4-FFF2-40B4-BE49-F238E27FC236}">
+                <a16:creationId xmlns:a16="http://schemas.microsoft.com/office/drawing/2014/main" id="{E9C12AD1-CB08-44FC-80D4-316BF1080E6D}"/>
+              </a:ext>
+            </a:extLst>
+          </p:cNvPr>
+          <p:cNvCxnSpPr>
+            <a:cxnSpLocks/>
+          </p:cNvCxnSpPr>
+          <p:nvPr/>
+        </p:nvCxnSpPr>
+        <p:spPr>
+          <a:xfrm flipV="1">
+            <a:off x="4054066" y="3317467"/>
+            <a:ext cx="0" cy="911590"/>
+          </a:xfrm>
+          <a:prstGeom prst="straightConnector1">
+            <a:avLst/>
+          </a:prstGeom>
+          <a:ln w="57150">
+            <a:solidFill>
+              <a:schemeClr val="bg1"/>
+            </a:solidFill>
+            <a:tailEnd type="triangle"/>
+          </a:ln>
+        </p:spPr>
+        <p:style>
+          <a:lnRef idx="1">
+            <a:schemeClr val="accent1"/>
+          </a:lnRef>
+          <a:fillRef idx="0">
+            <a:schemeClr val="accent1"/>
+          </a:fillRef>
+          <a:effectRef idx="0">
+            <a:schemeClr val="accent1"/>
+          </a:effectRef>
+          <a:fontRef idx="minor">
+            <a:schemeClr val="tx1"/>
+          </a:fontRef>
+        </p:style>
+      </p:cxnSp>
+      <p:cxnSp>
+        <p:nvCxnSpPr>
+          <p:cNvPr id="42" name="直接箭头连接符 41">
+            <a:extLst>
+              <a:ext uri="{FF2B5EF4-FFF2-40B4-BE49-F238E27FC236}">
+                <a16:creationId xmlns:a16="http://schemas.microsoft.com/office/drawing/2014/main" id="{26CC55BA-1DEE-402C-BE4B-CB17F99243F1}"/>
+              </a:ext>
+            </a:extLst>
+          </p:cNvPr>
+          <p:cNvCxnSpPr>
+            <a:cxnSpLocks/>
+          </p:cNvCxnSpPr>
+          <p:nvPr/>
+        </p:nvCxnSpPr>
+        <p:spPr>
+          <a:xfrm>
+            <a:off x="4054066" y="3351256"/>
+            <a:ext cx="4175534" cy="0"/>
+          </a:xfrm>
+          <a:prstGeom prst="straightConnector1">
+            <a:avLst/>
+          </a:prstGeom>
+          <a:ln w="57150">
+            <a:solidFill>
+              <a:schemeClr val="bg1"/>
+            </a:solidFill>
+            <a:tailEnd type="triangle"/>
+          </a:ln>
+        </p:spPr>
+        <p:style>
+          <a:lnRef idx="1">
+            <a:schemeClr val="accent1"/>
+          </a:lnRef>
+          <a:fillRef idx="0">
+            <a:schemeClr val="accent1"/>
+          </a:fillRef>
+          <a:effectRef idx="0">
+            <a:schemeClr val="accent1"/>
+          </a:effectRef>
+          <a:fontRef idx="minor">
+            <a:schemeClr val="tx1"/>
+          </a:fontRef>
+        </p:style>
+      </p:cxnSp>
+      <p:cxnSp>
+        <p:nvCxnSpPr>
+          <p:cNvPr id="47" name="直接箭头连接符 46">
+            <a:extLst>
+              <a:ext uri="{FF2B5EF4-FFF2-40B4-BE49-F238E27FC236}">
+                <a16:creationId xmlns:a16="http://schemas.microsoft.com/office/drawing/2014/main" id="{78A8BED2-BE79-4802-9ACA-C7AF3C2AE407}"/>
+              </a:ext>
+            </a:extLst>
+          </p:cNvPr>
+          <p:cNvCxnSpPr>
+            <a:cxnSpLocks/>
+          </p:cNvCxnSpPr>
+          <p:nvPr/>
+        </p:nvCxnSpPr>
+        <p:spPr>
+          <a:xfrm flipV="1">
+            <a:off x="8229600" y="2411499"/>
+            <a:ext cx="0" cy="970005"/>
+          </a:xfrm>
+          <a:prstGeom prst="straightConnector1">
+            <a:avLst/>
+          </a:prstGeom>
+          <a:ln w="57150">
+            <a:solidFill>
+              <a:schemeClr val="bg1"/>
+            </a:solidFill>
+            <a:tailEnd type="triangle"/>
+          </a:ln>
+        </p:spPr>
+        <p:style>
+          <a:lnRef idx="1">
+            <a:schemeClr val="accent1"/>
+          </a:lnRef>
+          <a:fillRef idx="0">
+            <a:schemeClr val="accent1"/>
+          </a:fillRef>
+          <a:effectRef idx="0">
+            <a:schemeClr val="accent1"/>
+          </a:effectRef>
+          <a:fontRef idx="minor">
+            <a:schemeClr val="tx1"/>
+          </a:fontRef>
+        </p:style>
+      </p:cxnSp>
+      <p:cxnSp>
+        <p:nvCxnSpPr>
+          <p:cNvPr id="49" name="直接箭头连接符 48">
+            <a:extLst>
+              <a:ext uri="{FF2B5EF4-FFF2-40B4-BE49-F238E27FC236}">
+                <a16:creationId xmlns:a16="http://schemas.microsoft.com/office/drawing/2014/main" id="{2B395819-7697-4F5A-A08A-7FEC70C6B945}"/>
+              </a:ext>
+            </a:extLst>
+          </p:cNvPr>
+          <p:cNvCxnSpPr>
+            <a:cxnSpLocks/>
+          </p:cNvCxnSpPr>
+          <p:nvPr/>
+        </p:nvCxnSpPr>
+        <p:spPr>
+          <a:xfrm flipH="1">
+            <a:off x="4343400" y="2428352"/>
+            <a:ext cx="3903844" cy="0"/>
+          </a:xfrm>
+          <a:prstGeom prst="straightConnector1">
+            <a:avLst/>
+          </a:prstGeom>
+          <a:ln w="57150">
+            <a:solidFill>
+              <a:schemeClr val="bg1"/>
+            </a:solidFill>
+            <a:tailEnd type="triangle"/>
+          </a:ln>
+        </p:spPr>
+        <p:style>
+          <a:lnRef idx="1">
+            <a:schemeClr val="accent1"/>
+          </a:lnRef>
+          <a:fillRef idx="0">
+            <a:schemeClr val="accent1"/>
+          </a:fillRef>
+          <a:effectRef idx="0">
+            <a:schemeClr val="accent1"/>
+          </a:effectRef>
+          <a:fontRef idx="minor">
+            <a:schemeClr val="tx1"/>
+          </a:fontRef>
+        </p:style>
+      </p:cxnSp>
     </p:spTree>
     <p:extLst>
       <p:ext uri="{BB962C8B-B14F-4D97-AF65-F5344CB8AC3E}">
